--- a/09-Integrate data from notebooks with Azure Data Factory or Synapse Pipelines.pptx
+++ b/09-Integrate data from notebooks with Azure Data Factory or Synapse Pipelines.pptx
@@ -5,18 +5,21 @@
     <p:sldMasterId id="2147483648" r:id="rId1"/>
   </p:sldMasterIdLst>
   <p:notesMasterIdLst>
-    <p:notesMasterId r:id="rId8"/>
+    <p:notesMasterId r:id="rId11"/>
   </p:notesMasterIdLst>
   <p:handoutMasterIdLst>
-    <p:handoutMasterId r:id="rId9"/>
+    <p:handoutMasterId r:id="rId12"/>
   </p:handoutMasterIdLst>
   <p:sldIdLst>
     <p:sldId id="256" r:id="rId2"/>
     <p:sldId id="418" r:id="rId3"/>
     <p:sldId id="257" r:id="rId4"/>
     <p:sldId id="419" r:id="rId5"/>
-    <p:sldId id="2076137762" r:id="rId6"/>
-    <p:sldId id="424" r:id="rId7"/>
+    <p:sldId id="2134804632" r:id="rId6"/>
+    <p:sldId id="2134804633" r:id="rId7"/>
+    <p:sldId id="2076137762" r:id="rId8"/>
+    <p:sldId id="424" r:id="rId9"/>
+    <p:sldId id="2134804631" r:id="rId10"/>
   </p:sldIdLst>
   <p:sldSz cx="12192000" cy="6858000"/>
   <p:notesSz cx="6858000" cy="9144000"/>
@@ -231,7 +234,7 @@
           <a:p>
             <a:fld id="{2B56BDA5-FBCC-43E1-957B-02AF36889AD5}" type="datetimeFigureOut">
               <a:rPr lang="en-US" smtClean="0"/>
-              <a:t>4/3/2022</a:t>
+              <a:t>4/4/2022</a:t>
             </a:fld>
             <a:endParaRPr lang="en-US"/>
           </a:p>
@@ -408,7 +411,7 @@
           <a:p>
             <a:fld id="{8F44CDF0-0D54-4AFE-B409-D6358A9BB9A1}" type="datetimeFigureOut">
               <a:rPr lang="en-US" smtClean="0"/>
-              <a:t>4/3/2022</a:t>
+              <a:t>4/4/2022</a:t>
             </a:fld>
             <a:endParaRPr lang="en-US"/>
           </a:p>
@@ -1538,7 +1541,7 @@
           <a:p>
             <a:fld id="{37E24C93-78CA-4AF0-9E77-825D60ABA46D}" type="slidenum">
               <a:rPr lang="en-US" smtClean="0"/>
-              <a:t>6</a:t>
+              <a:t>8</a:t>
             </a:fld>
             <a:endParaRPr lang="en-US"/>
           </a:p>
@@ -1548,6 +1551,90 @@
     <p:extLst>
       <p:ext uri="{BB962C8B-B14F-4D97-AF65-F5344CB8AC3E}">
         <p14:creationId xmlns:p14="http://schemas.microsoft.com/office/powerpoint/2010/main" val="1674645597"/>
+      </p:ext>
+    </p:extLst>
+  </p:cSld>
+  <p:clrMapOvr>
+    <a:masterClrMapping/>
+  </p:clrMapOvr>
+</p:notes>
+</file>
+
+<file path=ppt/notesSlides/notesSlide6.xml><?xml version="1.0" encoding="utf-8"?>
+<p:notes xmlns:a="http://schemas.openxmlformats.org/drawingml/2006/main" xmlns:r="http://schemas.openxmlformats.org/officeDocument/2006/relationships" xmlns:p="http://schemas.openxmlformats.org/presentationml/2006/main">
+  <p:cSld>
+    <p:spTree>
+      <p:nvGrpSpPr>
+        <p:cNvPr id="1" name=""/>
+        <p:cNvGrpSpPr/>
+        <p:nvPr/>
+      </p:nvGrpSpPr>
+      <p:grpSpPr>
+        <a:xfrm>
+          <a:off x="0" y="0"/>
+          <a:ext cx="0" cy="0"/>
+          <a:chOff x="0" y="0"/>
+          <a:chExt cx="0" cy="0"/>
+        </a:xfrm>
+      </p:grpSpPr>
+      <p:sp>
+        <p:nvSpPr>
+          <p:cNvPr id="2" name="Slide Image Placeholder 1"/>
+          <p:cNvSpPr>
+            <a:spLocks noGrp="1" noRot="1" noChangeAspect="1"/>
+          </p:cNvSpPr>
+          <p:nvPr>
+            <p:ph type="sldImg"/>
+          </p:nvPr>
+        </p:nvSpPr>
+        <p:spPr/>
+      </p:sp>
+      <p:sp>
+        <p:nvSpPr>
+          <p:cNvPr id="3" name="Notes Placeholder 2"/>
+          <p:cNvSpPr>
+            <a:spLocks noGrp="1"/>
+          </p:cNvSpPr>
+          <p:nvPr>
+            <p:ph type="body" idx="1"/>
+          </p:nvPr>
+        </p:nvSpPr>
+        <p:spPr/>
+        <p:txBody>
+          <a:bodyPr/>
+          <a:lstStyle/>
+          <a:p>
+            <a:endParaRPr lang="en-US" dirty="0"/>
+          </a:p>
+        </p:txBody>
+      </p:sp>
+      <p:sp>
+        <p:nvSpPr>
+          <p:cNvPr id="4" name="Slide Number Placeholder 3"/>
+          <p:cNvSpPr>
+            <a:spLocks noGrp="1"/>
+          </p:cNvSpPr>
+          <p:nvPr>
+            <p:ph type="sldNum" sz="quarter" idx="5"/>
+          </p:nvPr>
+        </p:nvSpPr>
+        <p:spPr/>
+        <p:txBody>
+          <a:bodyPr/>
+          <a:lstStyle/>
+          <a:p>
+            <a:fld id="{37E24C93-78CA-4AF0-9E77-825D60ABA46D}" type="slidenum">
+              <a:rPr lang="en-US" smtClean="0"/>
+              <a:t>9</a:t>
+            </a:fld>
+            <a:endParaRPr lang="en-US"/>
+          </a:p>
+        </p:txBody>
+      </p:sp>
+    </p:spTree>
+    <p:extLst>
+      <p:ext uri="{BB962C8B-B14F-4D97-AF65-F5344CB8AC3E}">
+        <p14:creationId xmlns:p14="http://schemas.microsoft.com/office/powerpoint/2010/main" val="648820541"/>
       </p:ext>
     </p:extLst>
   </p:cSld>
@@ -19851,7 +19938,7 @@
 </file>
 
 <file path=ppt/slides/slide5.xml><?xml version="1.0" encoding="utf-8"?>
-<p:sld xmlns:a="http://schemas.openxmlformats.org/drawingml/2006/main" xmlns:r="http://schemas.openxmlformats.org/officeDocument/2006/relationships" xmlns:p="http://schemas.openxmlformats.org/presentationml/2006/main" show="0">
+<p:sld xmlns:a="http://schemas.openxmlformats.org/drawingml/2006/main" xmlns:r="http://schemas.openxmlformats.org/officeDocument/2006/relationships" xmlns:p="http://schemas.openxmlformats.org/presentationml/2006/main">
   <p:cSld>
     <p:spTree>
       <p:nvGrpSpPr>
@@ -19869,18 +19956,18 @@
       </p:grpSpPr>
       <p:sp>
         <p:nvSpPr>
-          <p:cNvPr id="2" name="Title 1">
-            <a:extLst>
-              <a:ext uri="{FF2B5EF4-FFF2-40B4-BE49-F238E27FC236}">
-                <a16:creationId xmlns:a16="http://schemas.microsoft.com/office/drawing/2014/main" id="{F9E03E42-4E21-438E-885A-1F54A1EF7770}"/>
-              </a:ext>
-            </a:extLst>
-          </p:cNvPr>
-          <p:cNvSpPr>
-            <a:spLocks noGrp="1"/>
-          </p:cNvSpPr>
-          <p:nvPr>
-            <p:ph type="title"/>
+          <p:cNvPr id="2" name="Footer Placeholder 1">
+            <a:extLst>
+              <a:ext uri="{FF2B5EF4-FFF2-40B4-BE49-F238E27FC236}">
+                <a16:creationId xmlns:a16="http://schemas.microsoft.com/office/drawing/2014/main" id="{1659074F-22BB-4BB5-A635-FC992393419C}"/>
+              </a:ext>
+            </a:extLst>
+          </p:cNvPr>
+          <p:cNvSpPr>
+            <a:spLocks noGrp="1"/>
+          </p:cNvSpPr>
+          <p:nvPr>
+            <p:ph type="ftr" sz="quarter" idx="3"/>
           </p:nvPr>
         </p:nvSpPr>
         <p:spPr/>
@@ -19889,34 +19976,6 @@
           <a:lstStyle/>
           <a:p>
             <a:r>
-              <a:rPr lang="en-US" dirty="0"/>
-              <a:t>Notebook activity</a:t>
-            </a:r>
-          </a:p>
-        </p:txBody>
-      </p:sp>
-      <p:sp>
-        <p:nvSpPr>
-          <p:cNvPr id="3" name="Footer Placeholder 2">
-            <a:extLst>
-              <a:ext uri="{FF2B5EF4-FFF2-40B4-BE49-F238E27FC236}">
-                <a16:creationId xmlns:a16="http://schemas.microsoft.com/office/drawing/2014/main" id="{310E5327-908A-424A-BE3F-E939E83C935A}"/>
-              </a:ext>
-            </a:extLst>
-          </p:cNvPr>
-          <p:cNvSpPr>
-            <a:spLocks noGrp="1"/>
-          </p:cNvSpPr>
-          <p:nvPr>
-            <p:ph type="ftr" sz="quarter" idx="3"/>
-          </p:nvPr>
-        </p:nvSpPr>
-        <p:spPr/>
-        <p:txBody>
-          <a:bodyPr/>
-          <a:lstStyle/>
-          <a:p>
-            <a:r>
               <a:rPr lang="en-US"/>
               <a:t>WWW.SOLLIANCE.NET</a:t>
             </a:r>
@@ -19926,10 +19985,10 @@
       </p:sp>
       <p:sp>
         <p:nvSpPr>
-          <p:cNvPr id="4" name="Slide Number Placeholder 3">
-            <a:extLst>
-              <a:ext uri="{FF2B5EF4-FFF2-40B4-BE49-F238E27FC236}">
-                <a16:creationId xmlns:a16="http://schemas.microsoft.com/office/drawing/2014/main" id="{BEA167C6-2E31-4170-879E-CA835EE267DD}"/>
+          <p:cNvPr id="3" name="Slide Number Placeholder 2">
+            <a:extLst>
+              <a:ext uri="{FF2B5EF4-FFF2-40B4-BE49-F238E27FC236}">
+                <a16:creationId xmlns:a16="http://schemas.microsoft.com/office/drawing/2014/main" id="{754676C0-D412-44DE-99C2-05D1CA6FBE27}"/>
               </a:ext>
             </a:extLst>
           </p:cNvPr>
@@ -19956,18 +20015,18 @@
       </p:sp>
       <p:sp>
         <p:nvSpPr>
-          <p:cNvPr id="5" name="Text Placeholder 4">
-            <a:extLst>
-              <a:ext uri="{FF2B5EF4-FFF2-40B4-BE49-F238E27FC236}">
-                <a16:creationId xmlns:a16="http://schemas.microsoft.com/office/drawing/2014/main" id="{E0473410-CC01-47D7-B379-B7314E69771C}"/>
-              </a:ext>
-            </a:extLst>
-          </p:cNvPr>
-          <p:cNvSpPr>
-            <a:spLocks noGrp="1"/>
-          </p:cNvSpPr>
-          <p:nvPr>
-            <p:ph type="body" sz="quarter" idx="10"/>
+          <p:cNvPr id="5" name="Title 4">
+            <a:extLst>
+              <a:ext uri="{FF2B5EF4-FFF2-40B4-BE49-F238E27FC236}">
+                <a16:creationId xmlns:a16="http://schemas.microsoft.com/office/drawing/2014/main" id="{ADCA9819-3351-4DA4-B3F4-C8C3FAAF937E}"/>
+              </a:ext>
+            </a:extLst>
+          </p:cNvPr>
+          <p:cNvSpPr>
+            <a:spLocks noGrp="1"/>
+          </p:cNvSpPr>
+          <p:nvPr>
+            <p:ph type="title"/>
           </p:nvPr>
         </p:nvSpPr>
         <p:spPr/>
@@ -19977,14 +20036,8 @@
           <a:p>
             <a:r>
               <a:rPr lang="en-US" dirty="0"/>
-              <a:t>Runs a Synapse notebook in your Synapse Workspace</a:t>
-            </a:r>
-          </a:p>
-          <a:p>
-            <a:endParaRPr lang="en-US" dirty="0"/>
-          </a:p>
-          <a:p>
-            <a:endParaRPr lang="en-US" dirty="0"/>
+              <a:t>Toggling a notebook cell to use parameters</a:t>
+            </a:r>
           </a:p>
         </p:txBody>
       </p:sp>
@@ -19993,7 +20046,7 @@
           <p:cNvPr id="6" name="Text Placeholder 5">
             <a:extLst>
               <a:ext uri="{FF2B5EF4-FFF2-40B4-BE49-F238E27FC236}">
-                <a16:creationId xmlns:a16="http://schemas.microsoft.com/office/drawing/2014/main" id="{16D211A2-9FFA-48AD-8F5A-51252B1198BE}"/>
+                <a16:creationId xmlns:a16="http://schemas.microsoft.com/office/drawing/2014/main" id="{81977A3D-2376-4908-896E-52F004E589CB}"/>
               </a:ext>
             </a:extLst>
           </p:cNvPr>
@@ -20006,17 +20059,69 @@
         </p:nvSpPr>
         <p:spPr/>
         <p:txBody>
-          <a:bodyPr/>
+          <a:bodyPr>
+            <a:normAutofit fontScale="92500" lnSpcReduction="10000"/>
+          </a:bodyPr>
           <a:lstStyle/>
           <a:p>
-            <a:endParaRPr lang="en-US"/>
-          </a:p>
-        </p:txBody>
-      </p:sp>
+            <a:r>
+              <a:rPr lang="en-US" dirty="0"/>
+              <a:t>The cell’s context menu allows you to toggle it between being a normal code cell and a parameter cell</a:t>
+            </a:r>
+          </a:p>
+        </p:txBody>
+      </p:sp>
+      <p:pic>
+        <p:nvPicPr>
+          <p:cNvPr id="1026" name="Picture 2">
+            <a:extLst>
+              <a:ext uri="{FF2B5EF4-FFF2-40B4-BE49-F238E27FC236}">
+                <a16:creationId xmlns:a16="http://schemas.microsoft.com/office/drawing/2014/main" id="{C16A4B7C-9C68-4B29-9C2F-6B01C7DE4A2E}"/>
+              </a:ext>
+            </a:extLst>
+          </p:cNvPr>
+          <p:cNvPicPr>
+            <a:picLocks noChangeAspect="1" noChangeArrowheads="1"/>
+          </p:cNvPicPr>
+          <p:nvPr/>
+        </p:nvPicPr>
+        <p:blipFill>
+          <a:blip r:embed="rId2">
+            <a:extLst>
+              <a:ext uri="{28A0092B-C50C-407E-A947-70E740481C1C}">
+                <a14:useLocalDpi xmlns:a14="http://schemas.microsoft.com/office/drawing/2010/main" val="0"/>
+              </a:ext>
+            </a:extLst>
+          </a:blip>
+          <a:srcRect/>
+          <a:stretch>
+            <a:fillRect/>
+          </a:stretch>
+        </p:blipFill>
+        <p:spPr bwMode="auto">
+          <a:xfrm>
+            <a:off x="0" y="1852613"/>
+            <a:ext cx="12192000" cy="3152775"/>
+          </a:xfrm>
+          <a:prstGeom prst="rect">
+            <a:avLst/>
+          </a:prstGeom>
+          <a:noFill/>
+          <a:extLst>
+            <a:ext uri="{909E8E84-426E-40DD-AFC4-6F175D3DCCD1}">
+              <a14:hiddenFill xmlns:a14="http://schemas.microsoft.com/office/drawing/2010/main">
+                <a:solidFill>
+                  <a:srgbClr val="FFFFFF"/>
+                </a:solidFill>
+              </a14:hiddenFill>
+            </a:ext>
+          </a:extLst>
+        </p:spPr>
+      </p:pic>
     </p:spTree>
     <p:extLst>
       <p:ext uri="{BB962C8B-B14F-4D97-AF65-F5344CB8AC3E}">
-        <p14:creationId xmlns:p14="http://schemas.microsoft.com/office/powerpoint/2010/main" val="2947309483"/>
+        <p14:creationId xmlns:p14="http://schemas.microsoft.com/office/powerpoint/2010/main" val="2433235846"/>
       </p:ext>
     </p:extLst>
   </p:cSld>
@@ -20045,6 +20150,370 @@
       </p:grpSpPr>
       <p:sp>
         <p:nvSpPr>
+          <p:cNvPr id="2" name="Footer Placeholder 1">
+            <a:extLst>
+              <a:ext uri="{FF2B5EF4-FFF2-40B4-BE49-F238E27FC236}">
+                <a16:creationId xmlns:a16="http://schemas.microsoft.com/office/drawing/2014/main" id="{A6F7A44B-E0BB-4920-8630-64C5E07E5A51}"/>
+              </a:ext>
+            </a:extLst>
+          </p:cNvPr>
+          <p:cNvSpPr>
+            <a:spLocks noGrp="1"/>
+          </p:cNvSpPr>
+          <p:nvPr>
+            <p:ph type="ftr" sz="quarter" idx="3"/>
+          </p:nvPr>
+        </p:nvSpPr>
+        <p:spPr/>
+        <p:txBody>
+          <a:bodyPr/>
+          <a:lstStyle/>
+          <a:p>
+            <a:r>
+              <a:rPr lang="en-US"/>
+              <a:t>WWW.SOLLIANCE.NET</a:t>
+            </a:r>
+            <a:endParaRPr lang="en-US" dirty="0"/>
+          </a:p>
+        </p:txBody>
+      </p:sp>
+      <p:sp>
+        <p:nvSpPr>
+          <p:cNvPr id="3" name="Slide Number Placeholder 2">
+            <a:extLst>
+              <a:ext uri="{FF2B5EF4-FFF2-40B4-BE49-F238E27FC236}">
+                <a16:creationId xmlns:a16="http://schemas.microsoft.com/office/drawing/2014/main" id="{1528CA56-F812-4184-8729-25899B9D265B}"/>
+              </a:ext>
+            </a:extLst>
+          </p:cNvPr>
+          <p:cNvSpPr>
+            <a:spLocks noGrp="1"/>
+          </p:cNvSpPr>
+          <p:nvPr>
+            <p:ph type="sldNum" sz="quarter" idx="4"/>
+          </p:nvPr>
+        </p:nvSpPr>
+        <p:spPr/>
+        <p:txBody>
+          <a:bodyPr/>
+          <a:lstStyle/>
+          <a:p>
+            <a:fld id="{00F9DAA1-1DF7-43E0-8E29-0CE1148553C7}" type="slidenum">
+              <a:rPr lang="en-US" smtClean="0"/>
+              <a:pPr/>
+              <a:t>6</a:t>
+            </a:fld>
+            <a:endParaRPr lang="en-US" dirty="0"/>
+          </a:p>
+        </p:txBody>
+      </p:sp>
+      <p:pic>
+        <p:nvPicPr>
+          <p:cNvPr id="2052" name="Picture 4">
+            <a:extLst>
+              <a:ext uri="{FF2B5EF4-FFF2-40B4-BE49-F238E27FC236}">
+                <a16:creationId xmlns:a16="http://schemas.microsoft.com/office/drawing/2014/main" id="{1BE5FDDA-6D1C-45F0-9EDB-2FA91A3DC3EC}"/>
+              </a:ext>
+            </a:extLst>
+          </p:cNvPr>
+          <p:cNvPicPr>
+            <a:picLocks noChangeAspect="1" noChangeArrowheads="1"/>
+          </p:cNvPicPr>
+          <p:nvPr/>
+        </p:nvPicPr>
+        <p:blipFill>
+          <a:blip r:embed="rId2">
+            <a:extLst>
+              <a:ext uri="{28A0092B-C50C-407E-A947-70E740481C1C}">
+                <a14:useLocalDpi xmlns:a14="http://schemas.microsoft.com/office/drawing/2010/main" val="0"/>
+              </a:ext>
+            </a:extLst>
+          </a:blip>
+          <a:srcRect/>
+          <a:stretch>
+            <a:fillRect/>
+          </a:stretch>
+        </p:blipFill>
+        <p:spPr bwMode="auto">
+          <a:xfrm>
+            <a:off x="2693295" y="490404"/>
+            <a:ext cx="9498705" cy="5779494"/>
+          </a:xfrm>
+          <a:prstGeom prst="rect">
+            <a:avLst/>
+          </a:prstGeom>
+          <a:noFill/>
+          <a:extLst>
+            <a:ext uri="{909E8E84-426E-40DD-AFC4-6F175D3DCCD1}">
+              <a14:hiddenFill xmlns:a14="http://schemas.microsoft.com/office/drawing/2010/main">
+                <a:solidFill>
+                  <a:srgbClr val="FFFFFF"/>
+                </a:solidFill>
+              </a14:hiddenFill>
+            </a:ext>
+          </a:extLst>
+        </p:spPr>
+      </p:pic>
+      <p:sp>
+        <p:nvSpPr>
+          <p:cNvPr id="7" name="TextBox 6">
+            <a:extLst>
+              <a:ext uri="{FF2B5EF4-FFF2-40B4-BE49-F238E27FC236}">
+                <a16:creationId xmlns:a16="http://schemas.microsoft.com/office/drawing/2014/main" id="{7D7B4DFC-AA7E-4C05-83D8-FE8F97EFFF99}"/>
+              </a:ext>
+            </a:extLst>
+          </p:cNvPr>
+          <p:cNvSpPr txBox="1"/>
+          <p:nvPr/>
+        </p:nvSpPr>
+        <p:spPr>
+          <a:xfrm>
+            <a:off x="214552" y="1144277"/>
+            <a:ext cx="2278337" cy="3693319"/>
+          </a:xfrm>
+          <a:prstGeom prst="rect">
+            <a:avLst/>
+          </a:prstGeom>
+          <a:noFill/>
+        </p:spPr>
+        <p:txBody>
+          <a:bodyPr wrap="square" rtlCol="0">
+            <a:spAutoFit/>
+          </a:bodyPr>
+          <a:lstStyle/>
+          <a:p>
+            <a:r>
+              <a:rPr lang="en-US" dirty="0"/>
+              <a:t>The Synapse pipeline notebook activity can send parameters to the notebook.</a:t>
+            </a:r>
+          </a:p>
+          <a:p>
+            <a:endParaRPr lang="en-US" dirty="0"/>
+          </a:p>
+          <a:p>
+            <a:r>
+              <a:rPr lang="en-US" dirty="0"/>
+              <a:t>Notice the name of </a:t>
+            </a:r>
+            <a:r>
+              <a:rPr lang="en-US" b="1" dirty="0" err="1"/>
+              <a:t>runId</a:t>
+            </a:r>
+            <a:r>
+              <a:rPr lang="en-US" dirty="0"/>
+              <a:t> matches the name of the parameter variable used in the parameter cell.</a:t>
+            </a:r>
+          </a:p>
+        </p:txBody>
+      </p:sp>
+    </p:spTree>
+    <p:extLst>
+      <p:ext uri="{BB962C8B-B14F-4D97-AF65-F5344CB8AC3E}">
+        <p14:creationId xmlns:p14="http://schemas.microsoft.com/office/powerpoint/2010/main" val="744479437"/>
+      </p:ext>
+    </p:extLst>
+  </p:cSld>
+  <p:clrMapOvr>
+    <a:masterClrMapping/>
+  </p:clrMapOvr>
+</p:sld>
+</file>
+
+<file path=ppt/slides/slide7.xml><?xml version="1.0" encoding="utf-8"?>
+<p:sld xmlns:a="http://schemas.openxmlformats.org/drawingml/2006/main" xmlns:r="http://schemas.openxmlformats.org/officeDocument/2006/relationships" xmlns:p="http://schemas.openxmlformats.org/presentationml/2006/main" show="0">
+  <p:cSld>
+    <p:spTree>
+      <p:nvGrpSpPr>
+        <p:cNvPr id="1" name=""/>
+        <p:cNvGrpSpPr/>
+        <p:nvPr/>
+      </p:nvGrpSpPr>
+      <p:grpSpPr>
+        <a:xfrm>
+          <a:off x="0" y="0"/>
+          <a:ext cx="0" cy="0"/>
+          <a:chOff x="0" y="0"/>
+          <a:chExt cx="0" cy="0"/>
+        </a:xfrm>
+      </p:grpSpPr>
+      <p:sp>
+        <p:nvSpPr>
+          <p:cNvPr id="2" name="Title 1">
+            <a:extLst>
+              <a:ext uri="{FF2B5EF4-FFF2-40B4-BE49-F238E27FC236}">
+                <a16:creationId xmlns:a16="http://schemas.microsoft.com/office/drawing/2014/main" id="{F9E03E42-4E21-438E-885A-1F54A1EF7770}"/>
+              </a:ext>
+            </a:extLst>
+          </p:cNvPr>
+          <p:cNvSpPr>
+            <a:spLocks noGrp="1"/>
+          </p:cNvSpPr>
+          <p:nvPr>
+            <p:ph type="title"/>
+          </p:nvPr>
+        </p:nvSpPr>
+        <p:spPr/>
+        <p:txBody>
+          <a:bodyPr/>
+          <a:lstStyle/>
+          <a:p>
+            <a:r>
+              <a:rPr lang="en-US" dirty="0"/>
+              <a:t>Notebook activity</a:t>
+            </a:r>
+          </a:p>
+        </p:txBody>
+      </p:sp>
+      <p:sp>
+        <p:nvSpPr>
+          <p:cNvPr id="3" name="Footer Placeholder 2">
+            <a:extLst>
+              <a:ext uri="{FF2B5EF4-FFF2-40B4-BE49-F238E27FC236}">
+                <a16:creationId xmlns:a16="http://schemas.microsoft.com/office/drawing/2014/main" id="{310E5327-908A-424A-BE3F-E939E83C935A}"/>
+              </a:ext>
+            </a:extLst>
+          </p:cNvPr>
+          <p:cNvSpPr>
+            <a:spLocks noGrp="1"/>
+          </p:cNvSpPr>
+          <p:nvPr>
+            <p:ph type="ftr" sz="quarter" idx="3"/>
+          </p:nvPr>
+        </p:nvSpPr>
+        <p:spPr/>
+        <p:txBody>
+          <a:bodyPr/>
+          <a:lstStyle/>
+          <a:p>
+            <a:r>
+              <a:rPr lang="en-US"/>
+              <a:t>WWW.SOLLIANCE.NET</a:t>
+            </a:r>
+            <a:endParaRPr lang="en-US" dirty="0"/>
+          </a:p>
+        </p:txBody>
+      </p:sp>
+      <p:sp>
+        <p:nvSpPr>
+          <p:cNvPr id="4" name="Slide Number Placeholder 3">
+            <a:extLst>
+              <a:ext uri="{FF2B5EF4-FFF2-40B4-BE49-F238E27FC236}">
+                <a16:creationId xmlns:a16="http://schemas.microsoft.com/office/drawing/2014/main" id="{BEA167C6-2E31-4170-879E-CA835EE267DD}"/>
+              </a:ext>
+            </a:extLst>
+          </p:cNvPr>
+          <p:cNvSpPr>
+            <a:spLocks noGrp="1"/>
+          </p:cNvSpPr>
+          <p:nvPr>
+            <p:ph type="sldNum" sz="quarter" idx="4"/>
+          </p:nvPr>
+        </p:nvSpPr>
+        <p:spPr/>
+        <p:txBody>
+          <a:bodyPr/>
+          <a:lstStyle/>
+          <a:p>
+            <a:fld id="{00F9DAA1-1DF7-43E0-8E29-0CE1148553C7}" type="slidenum">
+              <a:rPr lang="en-US" smtClean="0"/>
+              <a:pPr/>
+              <a:t>7</a:t>
+            </a:fld>
+            <a:endParaRPr lang="en-US" dirty="0"/>
+          </a:p>
+        </p:txBody>
+      </p:sp>
+      <p:sp>
+        <p:nvSpPr>
+          <p:cNvPr id="5" name="Text Placeholder 4">
+            <a:extLst>
+              <a:ext uri="{FF2B5EF4-FFF2-40B4-BE49-F238E27FC236}">
+                <a16:creationId xmlns:a16="http://schemas.microsoft.com/office/drawing/2014/main" id="{E0473410-CC01-47D7-B379-B7314E69771C}"/>
+              </a:ext>
+            </a:extLst>
+          </p:cNvPr>
+          <p:cNvSpPr>
+            <a:spLocks noGrp="1"/>
+          </p:cNvSpPr>
+          <p:nvPr>
+            <p:ph type="body" sz="quarter" idx="10"/>
+          </p:nvPr>
+        </p:nvSpPr>
+        <p:spPr/>
+        <p:txBody>
+          <a:bodyPr/>
+          <a:lstStyle/>
+          <a:p>
+            <a:r>
+              <a:rPr lang="en-US" dirty="0"/>
+              <a:t>Runs a Synapse notebook in your Synapse Workspace</a:t>
+            </a:r>
+          </a:p>
+          <a:p>
+            <a:endParaRPr lang="en-US" dirty="0"/>
+          </a:p>
+          <a:p>
+            <a:endParaRPr lang="en-US" dirty="0"/>
+          </a:p>
+        </p:txBody>
+      </p:sp>
+      <p:sp>
+        <p:nvSpPr>
+          <p:cNvPr id="6" name="Text Placeholder 5">
+            <a:extLst>
+              <a:ext uri="{FF2B5EF4-FFF2-40B4-BE49-F238E27FC236}">
+                <a16:creationId xmlns:a16="http://schemas.microsoft.com/office/drawing/2014/main" id="{16D211A2-9FFA-48AD-8F5A-51252B1198BE}"/>
+              </a:ext>
+            </a:extLst>
+          </p:cNvPr>
+          <p:cNvSpPr>
+            <a:spLocks noGrp="1"/>
+          </p:cNvSpPr>
+          <p:nvPr>
+            <p:ph type="body" sz="quarter" idx="16"/>
+          </p:nvPr>
+        </p:nvSpPr>
+        <p:spPr/>
+        <p:txBody>
+          <a:bodyPr/>
+          <a:lstStyle/>
+          <a:p>
+            <a:endParaRPr lang="en-US"/>
+          </a:p>
+        </p:txBody>
+      </p:sp>
+    </p:spTree>
+    <p:extLst>
+      <p:ext uri="{BB962C8B-B14F-4D97-AF65-F5344CB8AC3E}">
+        <p14:creationId xmlns:p14="http://schemas.microsoft.com/office/powerpoint/2010/main" val="2947309483"/>
+      </p:ext>
+    </p:extLst>
+  </p:cSld>
+  <p:clrMapOvr>
+    <a:masterClrMapping/>
+  </p:clrMapOvr>
+</p:sld>
+</file>
+
+<file path=ppt/slides/slide8.xml><?xml version="1.0" encoding="utf-8"?>
+<p:sld xmlns:a="http://schemas.openxmlformats.org/drawingml/2006/main" xmlns:r="http://schemas.openxmlformats.org/officeDocument/2006/relationships" xmlns:p="http://schemas.openxmlformats.org/presentationml/2006/main">
+  <p:cSld>
+    <p:spTree>
+      <p:nvGrpSpPr>
+        <p:cNvPr id="1" name=""/>
+        <p:cNvGrpSpPr/>
+        <p:nvPr/>
+      </p:nvGrpSpPr>
+      <p:grpSpPr>
+        <a:xfrm>
+          <a:off x="0" y="0"/>
+          <a:ext cx="0" cy="0"/>
+          <a:chOff x="0" y="0"/>
+          <a:chExt cx="0" cy="0"/>
+        </a:xfrm>
+      </p:grpSpPr>
+      <p:sp>
+        <p:nvSpPr>
           <p:cNvPr id="2" name="Title 1">
             <a:extLst>
               <a:ext uri="{FF2B5EF4-FFF2-40B4-BE49-F238E27FC236}">
@@ -20115,6 +20584,641 @@
     <p:extLst>
       <p:ext uri="{BB962C8B-B14F-4D97-AF65-F5344CB8AC3E}">
         <p14:creationId xmlns:p14="http://schemas.microsoft.com/office/powerpoint/2010/main" val="86463890"/>
+      </p:ext>
+    </p:extLst>
+  </p:cSld>
+  <p:clrMapOvr>
+    <a:masterClrMapping/>
+  </p:clrMapOvr>
+</p:sld>
+</file>
+
+<file path=ppt/slides/slide9.xml><?xml version="1.0" encoding="utf-8"?>
+<p:sld xmlns:a="http://schemas.openxmlformats.org/drawingml/2006/main" xmlns:r="http://schemas.openxmlformats.org/officeDocument/2006/relationships" xmlns:p="http://schemas.openxmlformats.org/presentationml/2006/main">
+  <p:cSld>
+    <p:spTree>
+      <p:nvGrpSpPr>
+        <p:cNvPr id="1" name=""/>
+        <p:cNvGrpSpPr/>
+        <p:nvPr/>
+      </p:nvGrpSpPr>
+      <p:grpSpPr>
+        <a:xfrm>
+          <a:off x="0" y="0"/>
+          <a:ext cx="0" cy="0"/>
+          <a:chOff x="0" y="0"/>
+          <a:chExt cx="0" cy="0"/>
+        </a:xfrm>
+      </p:grpSpPr>
+      <p:sp>
+        <p:nvSpPr>
+          <p:cNvPr id="7" name="Rectangle 6">
+            <a:extLst>
+              <a:ext uri="{FF2B5EF4-FFF2-40B4-BE49-F238E27FC236}">
+                <a16:creationId xmlns:a16="http://schemas.microsoft.com/office/drawing/2014/main" id="{C7F1A192-7B21-4F6E-BA73-9F45523C2F1C}"/>
+              </a:ext>
+            </a:extLst>
+          </p:cNvPr>
+          <p:cNvSpPr/>
+          <p:nvPr/>
+        </p:nvSpPr>
+        <p:spPr>
+          <a:xfrm>
+            <a:off x="196880" y="415636"/>
+            <a:ext cx="5770783" cy="5480606"/>
+          </a:xfrm>
+          <a:prstGeom prst="rect">
+            <a:avLst/>
+          </a:prstGeom>
+          <a:solidFill>
+            <a:schemeClr val="accent3"/>
+          </a:solidFill>
+          <a:ln>
+            <a:noFill/>
+          </a:ln>
+        </p:spPr>
+        <p:style>
+          <a:lnRef idx="2">
+            <a:schemeClr val="accent1">
+              <a:shade val="50000"/>
+            </a:schemeClr>
+          </a:lnRef>
+          <a:fillRef idx="1">
+            <a:schemeClr val="accent1"/>
+          </a:fillRef>
+          <a:effectRef idx="0">
+            <a:schemeClr val="accent1"/>
+          </a:effectRef>
+          <a:fontRef idx="minor">
+            <a:schemeClr val="lt1"/>
+          </a:fontRef>
+        </p:style>
+        <p:txBody>
+          <a:bodyPr rtlCol="0" anchor="ctr"/>
+          <a:lstStyle/>
+          <a:p>
+            <a:pPr algn="ctr"/>
+            <a:endParaRPr lang="en-US"/>
+          </a:p>
+        </p:txBody>
+      </p:sp>
+      <p:sp>
+        <p:nvSpPr>
+          <p:cNvPr id="2" name="Footer Placeholder 1">
+            <a:extLst>
+              <a:ext uri="{FF2B5EF4-FFF2-40B4-BE49-F238E27FC236}">
+                <a16:creationId xmlns:a16="http://schemas.microsoft.com/office/drawing/2014/main" id="{2B6874AB-14C3-44E9-80FD-CC5DB10A9D8F}"/>
+              </a:ext>
+            </a:extLst>
+          </p:cNvPr>
+          <p:cNvSpPr>
+            <a:spLocks noGrp="1"/>
+          </p:cNvSpPr>
+          <p:nvPr>
+            <p:ph type="ftr" sz="quarter" idx="3"/>
+          </p:nvPr>
+        </p:nvSpPr>
+        <p:spPr/>
+        <p:txBody>
+          <a:bodyPr/>
+          <a:lstStyle/>
+          <a:p>
+            <a:pPr marL="0" marR="0" lvl="0" indent="0" algn="r" defTabSz="914400" rtl="0" eaLnBrk="1" fontAlgn="auto" latinLnBrk="0" hangingPunct="1">
+              <a:lnSpc>
+                <a:spcPct val="100000"/>
+              </a:lnSpc>
+              <a:spcBef>
+                <a:spcPts val="0"/>
+              </a:spcBef>
+              <a:spcAft>
+                <a:spcPts val="0"/>
+              </a:spcAft>
+              <a:buClrTx/>
+              <a:buSzTx/>
+              <a:buFontTx/>
+              <a:buNone/>
+              <a:tabLst/>
+              <a:defRPr/>
+            </a:pPr>
+            <a:r>
+              <a:rPr kumimoji="0" lang="en-US" sz="800" b="1" i="0" u="none" strike="noStrike" kern="1200" cap="none" spc="300" normalizeH="0" baseline="0" noProof="0">
+                <a:ln>
+                  <a:noFill/>
+                </a:ln>
+                <a:solidFill>
+                  <a:srgbClr val="E7E6E6">
+                    <a:lumMod val="90000"/>
+                    <a:alpha val="70000"/>
+                  </a:srgbClr>
+                </a:solidFill>
+                <a:effectLst/>
+                <a:uLnTx/>
+                <a:uFillTx/>
+                <a:latin typeface="Montserrat"/>
+                <a:ea typeface="+mn-ea"/>
+                <a:cs typeface="+mn-cs"/>
+              </a:rPr>
+              <a:t>WWW.SOLLIANCE.NET</a:t>
+            </a:r>
+            <a:endParaRPr kumimoji="0" lang="en-US" sz="800" b="1" i="0" u="none" strike="noStrike" kern="1200" cap="none" spc="300" normalizeH="0" baseline="0" noProof="0" dirty="0">
+              <a:ln>
+                <a:noFill/>
+              </a:ln>
+              <a:solidFill>
+                <a:srgbClr val="E7E6E6">
+                  <a:lumMod val="90000"/>
+                  <a:alpha val="70000"/>
+                </a:srgbClr>
+              </a:solidFill>
+              <a:effectLst/>
+              <a:uLnTx/>
+              <a:uFillTx/>
+              <a:latin typeface="Montserrat"/>
+              <a:ea typeface="+mn-ea"/>
+              <a:cs typeface="+mn-cs"/>
+            </a:endParaRPr>
+          </a:p>
+        </p:txBody>
+      </p:sp>
+      <p:sp>
+        <p:nvSpPr>
+          <p:cNvPr id="3" name="Slide Number Placeholder 2">
+            <a:extLst>
+              <a:ext uri="{FF2B5EF4-FFF2-40B4-BE49-F238E27FC236}">
+                <a16:creationId xmlns:a16="http://schemas.microsoft.com/office/drawing/2014/main" id="{D017DAEE-C656-4C65-A5D2-E48BAEFA9727}"/>
+              </a:ext>
+            </a:extLst>
+          </p:cNvPr>
+          <p:cNvSpPr>
+            <a:spLocks noGrp="1"/>
+          </p:cNvSpPr>
+          <p:nvPr>
+            <p:ph type="sldNum" sz="quarter" idx="4"/>
+          </p:nvPr>
+        </p:nvSpPr>
+        <p:spPr/>
+        <p:txBody>
+          <a:bodyPr/>
+          <a:lstStyle/>
+          <a:p>
+            <a:pPr marL="0" marR="0" lvl="0" indent="0" algn="ctr" defTabSz="914400" rtl="0" eaLnBrk="1" fontAlgn="auto" latinLnBrk="0" hangingPunct="1">
+              <a:lnSpc>
+                <a:spcPct val="100000"/>
+              </a:lnSpc>
+              <a:spcBef>
+                <a:spcPts val="0"/>
+              </a:spcBef>
+              <a:spcAft>
+                <a:spcPts val="0"/>
+              </a:spcAft>
+              <a:buClrTx/>
+              <a:buSzTx/>
+              <a:buFontTx/>
+              <a:buNone/>
+              <a:tabLst/>
+              <a:defRPr/>
+            </a:pPr>
+            <a:fld id="{00F9DAA1-1DF7-43E0-8E29-0CE1148553C7}" type="slidenum">
+              <a:rPr kumimoji="0" lang="en-US" sz="900" b="1" i="0" u="none" strike="noStrike" kern="1200" cap="none" spc="0" normalizeH="0" baseline="0" noProof="0" smtClean="0">
+                <a:ln>
+                  <a:noFill/>
+                </a:ln>
+                <a:solidFill>
+                  <a:srgbClr val="E7E6E6">
+                    <a:lumMod val="90000"/>
+                    <a:alpha val="60000"/>
+                  </a:srgbClr>
+                </a:solidFill>
+                <a:effectLst/>
+                <a:uLnTx/>
+                <a:uFillTx/>
+                <a:latin typeface="Montserrat"/>
+                <a:ea typeface="+mn-ea"/>
+                <a:cs typeface="+mn-cs"/>
+              </a:rPr>
+              <a:pPr marL="0" marR="0" lvl="0" indent="0" algn="ctr" defTabSz="914400" rtl="0" eaLnBrk="1" fontAlgn="auto" latinLnBrk="0" hangingPunct="1">
+                <a:lnSpc>
+                  <a:spcPct val="100000"/>
+                </a:lnSpc>
+                <a:spcBef>
+                  <a:spcPts val="0"/>
+                </a:spcBef>
+                <a:spcAft>
+                  <a:spcPts val="0"/>
+                </a:spcAft>
+                <a:buClrTx/>
+                <a:buSzTx/>
+                <a:buFontTx/>
+                <a:buNone/>
+                <a:tabLst/>
+                <a:defRPr/>
+              </a:pPr>
+              <a:t>9</a:t>
+            </a:fld>
+            <a:endParaRPr kumimoji="0" lang="en-US" sz="900" b="1" i="0" u="none" strike="noStrike" kern="1200" cap="none" spc="0" normalizeH="0" baseline="0" noProof="0" dirty="0">
+              <a:ln>
+                <a:noFill/>
+              </a:ln>
+              <a:solidFill>
+                <a:srgbClr val="E7E6E6">
+                  <a:lumMod val="90000"/>
+                  <a:alpha val="60000"/>
+                </a:srgbClr>
+              </a:solidFill>
+              <a:effectLst/>
+              <a:uLnTx/>
+              <a:uFillTx/>
+              <a:latin typeface="Montserrat"/>
+              <a:ea typeface="+mn-ea"/>
+              <a:cs typeface="+mn-cs"/>
+            </a:endParaRPr>
+          </a:p>
+        </p:txBody>
+      </p:sp>
+      <p:sp>
+        <p:nvSpPr>
+          <p:cNvPr id="5" name="TextBox 4">
+            <a:extLst>
+              <a:ext uri="{FF2B5EF4-FFF2-40B4-BE49-F238E27FC236}">
+                <a16:creationId xmlns:a16="http://schemas.microsoft.com/office/drawing/2014/main" id="{94FB7EED-4B8A-4B65-AB21-02FED0BA5130}"/>
+              </a:ext>
+            </a:extLst>
+          </p:cNvPr>
+          <p:cNvSpPr txBox="1"/>
+          <p:nvPr/>
+        </p:nvSpPr>
+        <p:spPr>
+          <a:xfrm>
+            <a:off x="609004" y="3773179"/>
+            <a:ext cx="4608954" cy="369332"/>
+          </a:xfrm>
+          <a:prstGeom prst="rect">
+            <a:avLst/>
+          </a:prstGeom>
+          <a:noFill/>
+        </p:spPr>
+        <p:txBody>
+          <a:bodyPr wrap="none" rtlCol="0">
+            <a:spAutoFit/>
+          </a:bodyPr>
+          <a:lstStyle/>
+          <a:p>
+            <a:pPr marL="0" marR="0" lvl="0" indent="0" algn="l" defTabSz="914400" rtl="0" eaLnBrk="1" fontAlgn="auto" latinLnBrk="0" hangingPunct="1">
+              <a:lnSpc>
+                <a:spcPct val="100000"/>
+              </a:lnSpc>
+              <a:spcBef>
+                <a:spcPts val="0"/>
+              </a:spcBef>
+              <a:spcAft>
+                <a:spcPts val="0"/>
+              </a:spcAft>
+              <a:buClrTx/>
+              <a:buSzTx/>
+              <a:buFontTx/>
+              <a:buNone/>
+              <a:tabLst/>
+              <a:defRPr/>
+            </a:pPr>
+            <a:r>
+              <a:rPr kumimoji="0" lang="en-US" sz="1800" b="1" i="0" u="none" strike="noStrike" kern="1200" cap="none" spc="0" normalizeH="0" baseline="0" noProof="0" dirty="0">
+                <a:ln>
+                  <a:noFill/>
+                </a:ln>
+                <a:solidFill>
+                  <a:srgbClr val="1A1F20"/>
+                </a:solidFill>
+                <a:effectLst/>
+                <a:uLnTx/>
+                <a:uFillTx/>
+                <a:latin typeface="Montserrat"/>
+                <a:ea typeface="+mn-ea"/>
+                <a:cs typeface="+mn-cs"/>
+              </a:rPr>
+              <a:t>Conference workshop presentations</a:t>
+            </a:r>
+          </a:p>
+        </p:txBody>
+      </p:sp>
+      <p:sp>
+        <p:nvSpPr>
+          <p:cNvPr id="6" name="TextBox 5">
+            <a:extLst>
+              <a:ext uri="{FF2B5EF4-FFF2-40B4-BE49-F238E27FC236}">
+                <a16:creationId xmlns:a16="http://schemas.microsoft.com/office/drawing/2014/main" id="{D6A93C50-D442-4753-8FD1-DD2C0BA6596E}"/>
+              </a:ext>
+            </a:extLst>
+          </p:cNvPr>
+          <p:cNvSpPr txBox="1"/>
+          <p:nvPr/>
+        </p:nvSpPr>
+        <p:spPr>
+          <a:xfrm>
+            <a:off x="8006688" y="3773179"/>
+            <a:ext cx="2345514" cy="369332"/>
+          </a:xfrm>
+          <a:prstGeom prst="rect">
+            <a:avLst/>
+          </a:prstGeom>
+          <a:noFill/>
+        </p:spPr>
+        <p:txBody>
+          <a:bodyPr wrap="none" rtlCol="0">
+            <a:spAutoFit/>
+          </a:bodyPr>
+          <a:lstStyle/>
+          <a:p>
+            <a:pPr marL="0" marR="0" lvl="0" indent="0" algn="l" defTabSz="914400" rtl="0" eaLnBrk="1" fontAlgn="auto" latinLnBrk="0" hangingPunct="1">
+              <a:lnSpc>
+                <a:spcPct val="100000"/>
+              </a:lnSpc>
+              <a:spcBef>
+                <a:spcPts val="0"/>
+              </a:spcBef>
+              <a:spcAft>
+                <a:spcPts val="0"/>
+              </a:spcAft>
+              <a:buClrTx/>
+              <a:buSzTx/>
+              <a:buFontTx/>
+              <a:buNone/>
+              <a:tabLst/>
+              <a:defRPr/>
+            </a:pPr>
+            <a:r>
+              <a:rPr kumimoji="0" lang="en-US" sz="1800" b="1" i="0" u="none" strike="noStrike" kern="1200" cap="none" spc="0" normalizeH="0" baseline="0" noProof="0" dirty="0">
+                <a:ln>
+                  <a:noFill/>
+                </a:ln>
+                <a:solidFill>
+                  <a:srgbClr val="1A1F20"/>
+                </a:solidFill>
+                <a:effectLst/>
+                <a:uLnTx/>
+                <a:uFillTx/>
+                <a:latin typeface="Montserrat"/>
+                <a:ea typeface="+mn-ea"/>
+                <a:cs typeface="+mn-cs"/>
+              </a:rPr>
+              <a:t>Solliance Training</a:t>
+            </a:r>
+          </a:p>
+        </p:txBody>
+      </p:sp>
+      <p:sp>
+        <p:nvSpPr>
+          <p:cNvPr id="11" name="TextBox 10">
+            <a:extLst>
+              <a:ext uri="{FF2B5EF4-FFF2-40B4-BE49-F238E27FC236}">
+                <a16:creationId xmlns:a16="http://schemas.microsoft.com/office/drawing/2014/main" id="{896EB98A-476E-40A9-A745-EA89D27E221A}"/>
+              </a:ext>
+            </a:extLst>
+          </p:cNvPr>
+          <p:cNvSpPr txBox="1"/>
+          <p:nvPr/>
+        </p:nvSpPr>
+        <p:spPr>
+          <a:xfrm>
+            <a:off x="393875" y="4281252"/>
+            <a:ext cx="5376792" cy="369332"/>
+          </a:xfrm>
+          <a:prstGeom prst="rect">
+            <a:avLst/>
+          </a:prstGeom>
+          <a:noFill/>
+        </p:spPr>
+        <p:txBody>
+          <a:bodyPr wrap="square">
+            <a:spAutoFit/>
+          </a:bodyPr>
+          <a:lstStyle/>
+          <a:p>
+            <a:pPr marL="0" marR="0" lvl="0" indent="0" algn="l" defTabSz="914400" rtl="0" eaLnBrk="1" fontAlgn="auto" latinLnBrk="0" hangingPunct="1">
+              <a:lnSpc>
+                <a:spcPct val="100000"/>
+              </a:lnSpc>
+              <a:spcBef>
+                <a:spcPts val="0"/>
+              </a:spcBef>
+              <a:spcAft>
+                <a:spcPts val="0"/>
+              </a:spcAft>
+              <a:buClrTx/>
+              <a:buSzTx/>
+              <a:buFontTx/>
+              <a:buNone/>
+              <a:tabLst/>
+              <a:defRPr/>
+            </a:pPr>
+            <a:r>
+              <a:rPr kumimoji="0" lang="en-US" sz="1800" b="0" i="0" u="none" strike="noStrike" kern="1200" cap="none" spc="0" normalizeH="0" baseline="0" noProof="0" dirty="0">
+                <a:ln>
+                  <a:noFill/>
+                </a:ln>
+                <a:solidFill>
+                  <a:srgbClr val="1A1F20"/>
+                </a:solidFill>
+                <a:effectLst/>
+                <a:uLnTx/>
+                <a:uFillTx/>
+                <a:latin typeface="Montserrat"/>
+                <a:ea typeface="+mn-ea"/>
+                <a:cs typeface="+mn-cs"/>
+              </a:rPr>
+              <a:t>https://aka.solliance.net/azure-de-workshop</a:t>
+            </a:r>
+          </a:p>
+        </p:txBody>
+      </p:sp>
+      <p:sp>
+        <p:nvSpPr>
+          <p:cNvPr id="13" name="TextBox 12">
+            <a:extLst>
+              <a:ext uri="{FF2B5EF4-FFF2-40B4-BE49-F238E27FC236}">
+                <a16:creationId xmlns:a16="http://schemas.microsoft.com/office/drawing/2014/main" id="{F97CC591-EAC5-423A-A04E-D3FC6A83C0A2}"/>
+              </a:ext>
+            </a:extLst>
+          </p:cNvPr>
+          <p:cNvSpPr txBox="1"/>
+          <p:nvPr/>
+        </p:nvSpPr>
+        <p:spPr>
+          <a:xfrm>
+            <a:off x="7547237" y="4282500"/>
+            <a:ext cx="3700334" cy="369332"/>
+          </a:xfrm>
+          <a:prstGeom prst="rect">
+            <a:avLst/>
+          </a:prstGeom>
+          <a:noFill/>
+        </p:spPr>
+        <p:txBody>
+          <a:bodyPr wrap="square">
+            <a:spAutoFit/>
+          </a:bodyPr>
+          <a:lstStyle/>
+          <a:p>
+            <a:pPr marL="0" marR="0" lvl="0" indent="0" algn="l" defTabSz="914400" rtl="0" eaLnBrk="1" fontAlgn="auto" latinLnBrk="0" hangingPunct="1">
+              <a:lnSpc>
+                <a:spcPct val="100000"/>
+              </a:lnSpc>
+              <a:spcBef>
+                <a:spcPts val="0"/>
+              </a:spcBef>
+              <a:spcAft>
+                <a:spcPts val="0"/>
+              </a:spcAft>
+              <a:buClrTx/>
+              <a:buSzTx/>
+              <a:buFontTx/>
+              <a:buNone/>
+              <a:tabLst/>
+              <a:defRPr/>
+            </a:pPr>
+            <a:r>
+              <a:rPr kumimoji="0" lang="en-US" sz="1800" b="0" i="0" u="none" strike="noStrike" kern="1200" cap="none" spc="0" normalizeH="0" baseline="0" noProof="0" dirty="0">
+                <a:ln>
+                  <a:noFill/>
+                </a:ln>
+                <a:solidFill>
+                  <a:srgbClr val="1A1F20"/>
+                </a:solidFill>
+                <a:effectLst/>
+                <a:uLnTx/>
+                <a:uFillTx/>
+                <a:latin typeface="Montserrat"/>
+                <a:ea typeface="+mn-ea"/>
+                <a:cs typeface="+mn-cs"/>
+              </a:rPr>
+              <a:t>https://</a:t>
+            </a:r>
+            <a:r>
+              <a:rPr lang="en-US" dirty="0">
+                <a:solidFill>
+                  <a:srgbClr val="1A1F20"/>
+                </a:solidFill>
+                <a:latin typeface="Montserrat"/>
+              </a:rPr>
+              <a:t>training</a:t>
+            </a:r>
+            <a:r>
+              <a:rPr kumimoji="0" lang="en-US" sz="1800" b="0" i="0" u="none" strike="noStrike" kern="1200" cap="none" spc="0" normalizeH="0" baseline="0" noProof="0" dirty="0">
+                <a:ln>
+                  <a:noFill/>
+                </a:ln>
+                <a:solidFill>
+                  <a:srgbClr val="1A1F20"/>
+                </a:solidFill>
+                <a:effectLst/>
+                <a:uLnTx/>
+                <a:uFillTx/>
+                <a:latin typeface="Montserrat"/>
+                <a:ea typeface="+mn-ea"/>
+                <a:cs typeface="+mn-cs"/>
+              </a:rPr>
+              <a:t>.solliance.net</a:t>
+            </a:r>
+          </a:p>
+        </p:txBody>
+      </p:sp>
+      <p:pic>
+        <p:nvPicPr>
+          <p:cNvPr id="1026" name="Picture 2" descr="QR Code">
+            <a:extLst>
+              <a:ext uri="{FF2B5EF4-FFF2-40B4-BE49-F238E27FC236}">
+                <a16:creationId xmlns:a16="http://schemas.microsoft.com/office/drawing/2014/main" id="{1D7A47C7-C731-4004-AFCD-36240B773698}"/>
+              </a:ext>
+            </a:extLst>
+          </p:cNvPr>
+          <p:cNvPicPr>
+            <a:picLocks noChangeAspect="1" noChangeArrowheads="1"/>
+          </p:cNvPicPr>
+          <p:nvPr/>
+        </p:nvPicPr>
+        <p:blipFill>
+          <a:blip r:embed="rId3">
+            <a:extLst>
+              <a:ext uri="{28A0092B-C50C-407E-A947-70E740481C1C}">
+                <a14:useLocalDpi xmlns:a14="http://schemas.microsoft.com/office/drawing/2010/main" val="0"/>
+              </a:ext>
+            </a:extLst>
+          </a:blip>
+          <a:srcRect/>
+          <a:stretch>
+            <a:fillRect/>
+          </a:stretch>
+        </p:blipFill>
+        <p:spPr bwMode="auto">
+          <a:xfrm>
+            <a:off x="8181583" y="1204651"/>
+            <a:ext cx="1779513" cy="1779513"/>
+          </a:xfrm>
+          <a:prstGeom prst="rect">
+            <a:avLst/>
+          </a:prstGeom>
+          <a:noFill/>
+          <a:extLst>
+            <a:ext uri="{909E8E84-426E-40DD-AFC4-6F175D3DCCD1}">
+              <a14:hiddenFill xmlns:a14="http://schemas.microsoft.com/office/drawing/2010/main">
+                <a:solidFill>
+                  <a:srgbClr val="FFFFFF"/>
+                </a:solidFill>
+              </a14:hiddenFill>
+            </a:ext>
+          </a:extLst>
+        </p:spPr>
+      </p:pic>
+      <p:pic>
+        <p:nvPicPr>
+          <p:cNvPr id="1030" name="Picture 6" descr="QR Code">
+            <a:extLst>
+              <a:ext uri="{FF2B5EF4-FFF2-40B4-BE49-F238E27FC236}">
+                <a16:creationId xmlns:a16="http://schemas.microsoft.com/office/drawing/2014/main" id="{42A41038-8706-4D68-A0D4-111768C73487}"/>
+              </a:ext>
+            </a:extLst>
+          </p:cNvPr>
+          <p:cNvPicPr>
+            <a:picLocks noChangeAspect="1" noChangeArrowheads="1"/>
+          </p:cNvPicPr>
+          <p:nvPr/>
+        </p:nvPicPr>
+        <p:blipFill>
+          <a:blip r:embed="rId4">
+            <a:extLst>
+              <a:ext uri="{28A0092B-C50C-407E-A947-70E740481C1C}">
+                <a14:useLocalDpi xmlns:a14="http://schemas.microsoft.com/office/drawing/2010/main" val="0"/>
+              </a:ext>
+            </a:extLst>
+          </a:blip>
+          <a:srcRect/>
+          <a:stretch>
+            <a:fillRect/>
+          </a:stretch>
+        </p:blipFill>
+        <p:spPr bwMode="auto">
+          <a:xfrm>
+            <a:off x="2023725" y="1204651"/>
+            <a:ext cx="1779513" cy="1779513"/>
+          </a:xfrm>
+          <a:prstGeom prst="rect">
+            <a:avLst/>
+          </a:prstGeom>
+          <a:noFill/>
+          <a:extLst>
+            <a:ext uri="{909E8E84-426E-40DD-AFC4-6F175D3DCCD1}">
+              <a14:hiddenFill xmlns:a14="http://schemas.microsoft.com/office/drawing/2010/main">
+                <a:solidFill>
+                  <a:srgbClr val="FFFFFF"/>
+                </a:solidFill>
+              </a14:hiddenFill>
+            </a:ext>
+          </a:extLst>
+        </p:spPr>
+      </p:pic>
+    </p:spTree>
+    <p:extLst>
+      <p:ext uri="{BB962C8B-B14F-4D97-AF65-F5344CB8AC3E}">
+        <p14:creationId xmlns:p14="http://schemas.microsoft.com/office/powerpoint/2010/main" val="1756157144"/>
       </p:ext>
     </p:extLst>
   </p:cSld>

--- a/09-Integrate data from notebooks with Azure Data Factory or Synapse Pipelines.pptx
+++ b/09-Integrate data from notebooks with Azure Data Factory or Synapse Pipelines.pptx
@@ -13,13 +13,13 @@
   <p:sldIdLst>
     <p:sldId id="256" r:id="rId2"/>
     <p:sldId id="418" r:id="rId3"/>
-    <p:sldId id="257" r:id="rId4"/>
-    <p:sldId id="419" r:id="rId5"/>
-    <p:sldId id="2134804632" r:id="rId6"/>
-    <p:sldId id="2134804633" r:id="rId7"/>
-    <p:sldId id="2076137762" r:id="rId8"/>
-    <p:sldId id="424" r:id="rId9"/>
-    <p:sldId id="2134804631" r:id="rId10"/>
+    <p:sldId id="2076137769" r:id="rId4"/>
+    <p:sldId id="3170" r:id="rId5"/>
+    <p:sldId id="257" r:id="rId6"/>
+    <p:sldId id="419" r:id="rId7"/>
+    <p:sldId id="2134804632" r:id="rId8"/>
+    <p:sldId id="2134804633" r:id="rId9"/>
+    <p:sldId id="424" r:id="rId10"/>
   </p:sldIdLst>
   <p:sldSz cx="12192000" cy="6858000"/>
   <p:notesSz cx="6858000" cy="9144000"/>
@@ -234,7 +234,7 @@
           <a:p>
             <a:fld id="{2B56BDA5-FBCC-43E1-957B-02AF36889AD5}" type="datetimeFigureOut">
               <a:rPr lang="en-US" smtClean="0"/>
-              <a:t>4/4/2022</a:t>
+              <a:t>12/2/2022</a:t>
             </a:fld>
             <a:endParaRPr lang="en-US"/>
           </a:p>
@@ -411,7 +411,7 @@
           <a:p>
             <a:fld id="{8F44CDF0-0D54-4AFE-B409-D6358A9BB9A1}" type="datetimeFigureOut">
               <a:rPr lang="en-US" smtClean="0"/>
-              <a:t>4/4/2022</a:t>
+              <a:t>12/2/2022</a:t>
             </a:fld>
             <a:endParaRPr lang="en-US"/>
           </a:p>
@@ -1024,74 +1024,7 @@
           <a:bodyPr/>
           <a:lstStyle/>
           <a:p>
-            <a:r>
-              <a:rPr lang="en-US" sz="1200" b="1" dirty="0"/>
-              <a:t>TALKING POINTS</a:t>
-            </a:r>
-          </a:p>
-          <a:p>
-            <a:endParaRPr lang="en-US" sz="1200" dirty="0"/>
-          </a:p>
-          <a:p>
-            <a:r>
-              <a:rPr lang="en-US" sz="1200" dirty="0"/>
-              <a:t>Let’s go over integration data from Notebooks with Azure Data Factory or Azure Synapse Pipelines.</a:t>
-            </a:r>
-          </a:p>
-          <a:p>
-            <a:endParaRPr lang="en-GB" sz="1200" dirty="0"/>
-          </a:p>
-          <a:p>
-            <a:pPr marL="0" marR="0" lvl="0" indent="0" algn="l" defTabSz="914367" rtl="0" eaLnBrk="1" fontAlgn="auto" latinLnBrk="0" hangingPunct="1">
-              <a:lnSpc>
-                <a:spcPct val="90000"/>
-              </a:lnSpc>
-              <a:spcBef>
-                <a:spcPts val="0"/>
-              </a:spcBef>
-              <a:spcAft>
-                <a:spcPts val="333"/>
-              </a:spcAft>
-              <a:buClrTx/>
-              <a:buSzTx/>
-              <a:buFontTx/>
-              <a:buNone/>
-              <a:tabLst/>
-              <a:defRPr/>
-            </a:pPr>
-            <a:r>
-              <a:rPr lang="en-US" sz="1200" b="1" dirty="0"/>
-              <a:t>PRESENTER NOTES AND GUIDANCE</a:t>
-            </a:r>
-          </a:p>
-          <a:p>
-            <a:endParaRPr lang="en-US" sz="1200" dirty="0"/>
-          </a:p>
-          <a:p>
-            <a:pPr marL="0" marR="0" lvl="0" indent="0" algn="l" defTabSz="914367" rtl="0" eaLnBrk="1" fontAlgn="auto" latinLnBrk="0" hangingPunct="1">
-              <a:lnSpc>
-                <a:spcPct val="90000"/>
-              </a:lnSpc>
-              <a:spcBef>
-                <a:spcPts val="0"/>
-              </a:spcBef>
-              <a:spcAft>
-                <a:spcPts val="333"/>
-              </a:spcAft>
-              <a:buClrTx/>
-              <a:buSzTx/>
-              <a:buFontTx/>
-              <a:buNone/>
-              <a:tabLst/>
-              <a:defRPr/>
-            </a:pPr>
-            <a:r>
-              <a:rPr lang="en-US" sz="1200" dirty="0"/>
-              <a:t>N/A.</a:t>
-            </a:r>
-          </a:p>
-          <a:p>
-            <a:endParaRPr lang="en-GB" dirty="0"/>
+            <a:endParaRPr lang="en-US" dirty="0"/>
           </a:p>
         </p:txBody>
       </p:sp>
@@ -1121,7 +1054,7 @@
     </p:spTree>
     <p:extLst>
       <p:ext uri="{BB962C8B-B14F-4D97-AF65-F5344CB8AC3E}">
-        <p14:creationId xmlns:p14="http://schemas.microsoft.com/office/powerpoint/2010/main" val="1850920789"/>
+        <p14:creationId xmlns:p14="http://schemas.microsoft.com/office/powerpoint/2010/main" val="830619561"/>
       </p:ext>
     </p:extLst>
   </p:cSld>
@@ -1193,6 +1126,736 @@
               <a:defRPr/>
             </a:pPr>
             <a:r>
+              <a:rPr lang="en-US" sz="900" b="1" dirty="0"/>
+              <a:t>Talking points</a:t>
+            </a:r>
+          </a:p>
+          <a:p>
+            <a:endParaRPr lang="en-US" sz="900" dirty="0"/>
+          </a:p>
+          <a:p>
+            <a:r>
+              <a:rPr lang="en-US" sz="900" dirty="0"/>
+              <a:t>Let’s dive into the data flow mapping</a:t>
+            </a:r>
+          </a:p>
+          <a:p>
+            <a:endParaRPr lang="en-US" sz="900" dirty="0"/>
+          </a:p>
+          <a:p>
+            <a:pPr marL="171450" indent="-171450">
+              <a:buFont typeface="Arial" panose="020B0604020202020204" pitchFamily="34" charset="0"/>
+              <a:buChar char="•"/>
+            </a:pPr>
+            <a:r>
+              <a:rPr lang="en-US" sz="900" b="0" i="0" u="none" strike="noStrike" kern="1200" dirty="0">
+                <a:solidFill>
+                  <a:schemeClr val="tx1"/>
+                </a:solidFill>
+                <a:effectLst/>
+                <a:latin typeface="Segoe UI" panose="020B0502040204020203" pitchFamily="34" charset="0"/>
+                <a:ea typeface="+mn-ea"/>
+                <a:cs typeface="+mn-cs"/>
+              </a:rPr>
+              <a:t>Mapping data flows are visually designed data transformations in Azure Data Factory or Azure Synapse Pipelines.</a:t>
+            </a:r>
+          </a:p>
+          <a:p>
+            <a:pPr marL="171450" indent="-171450">
+              <a:buFont typeface="Arial" panose="020B0604020202020204" pitchFamily="34" charset="0"/>
+              <a:buChar char="•"/>
+            </a:pPr>
+            <a:endParaRPr lang="en-US" sz="900" b="0" i="0" u="none" strike="noStrike" kern="1200" dirty="0">
+              <a:solidFill>
+                <a:schemeClr val="tx1"/>
+              </a:solidFill>
+              <a:effectLst/>
+              <a:latin typeface="Segoe UI" panose="020B0502040204020203" pitchFamily="34" charset="0"/>
+              <a:ea typeface="+mn-ea"/>
+              <a:cs typeface="+mn-cs"/>
+            </a:endParaRPr>
+          </a:p>
+          <a:p>
+            <a:pPr marL="171450" indent="-171450">
+              <a:buFont typeface="Arial" panose="020B0604020202020204" pitchFamily="34" charset="0"/>
+              <a:buChar char="•"/>
+            </a:pPr>
+            <a:r>
+              <a:rPr lang="en-US" sz="900" b="0" i="0" u="none" strike="noStrike" kern="1200" dirty="0">
+                <a:solidFill>
+                  <a:schemeClr val="tx1"/>
+                </a:solidFill>
+                <a:effectLst/>
+                <a:latin typeface="Segoe UI" panose="020B0502040204020203" pitchFamily="34" charset="0"/>
+                <a:ea typeface="+mn-ea"/>
+                <a:cs typeface="+mn-cs"/>
+              </a:rPr>
+              <a:t>Data flows allow data engineers to develop graphical data transformation logic without writing code. </a:t>
+            </a:r>
+          </a:p>
+          <a:p>
+            <a:pPr marL="171450" indent="-171450">
+              <a:buFont typeface="Arial" panose="020B0604020202020204" pitchFamily="34" charset="0"/>
+              <a:buChar char="•"/>
+            </a:pPr>
+            <a:endParaRPr lang="en-US" sz="900" b="0" i="0" u="none" strike="noStrike" kern="1200" dirty="0">
+              <a:solidFill>
+                <a:schemeClr val="tx1"/>
+              </a:solidFill>
+              <a:effectLst/>
+              <a:latin typeface="Segoe UI" panose="020B0502040204020203" pitchFamily="34" charset="0"/>
+              <a:ea typeface="+mn-ea"/>
+              <a:cs typeface="+mn-cs"/>
+            </a:endParaRPr>
+          </a:p>
+          <a:p>
+            <a:pPr marL="171450" indent="-171450">
+              <a:buFont typeface="Arial" panose="020B0604020202020204" pitchFamily="34" charset="0"/>
+              <a:buChar char="•"/>
+            </a:pPr>
+            <a:r>
+              <a:rPr lang="en-US" sz="900" b="0" i="0" u="none" strike="noStrike" kern="1200" dirty="0">
+                <a:solidFill>
+                  <a:schemeClr val="tx1"/>
+                </a:solidFill>
+                <a:effectLst/>
+                <a:latin typeface="Segoe UI" panose="020B0502040204020203" pitchFamily="34" charset="0"/>
+                <a:ea typeface="+mn-ea"/>
+                <a:cs typeface="+mn-cs"/>
+              </a:rPr>
+              <a:t>The resulting data flows are executed as activities within Azure Data Factory/Synapse pipelines that use scaled-out Spark clusters. </a:t>
+            </a:r>
+          </a:p>
+          <a:p>
+            <a:pPr marL="171450" indent="-171450">
+              <a:buFont typeface="Arial" panose="020B0604020202020204" pitchFamily="34" charset="0"/>
+              <a:buChar char="•"/>
+            </a:pPr>
+            <a:endParaRPr lang="en-US" sz="900" b="0" i="0" u="none" strike="noStrike" kern="1200" dirty="0">
+              <a:solidFill>
+                <a:schemeClr val="tx1"/>
+              </a:solidFill>
+              <a:effectLst/>
+              <a:latin typeface="Segoe UI" panose="020B0502040204020203" pitchFamily="34" charset="0"/>
+              <a:ea typeface="+mn-ea"/>
+              <a:cs typeface="+mn-cs"/>
+            </a:endParaRPr>
+          </a:p>
+          <a:p>
+            <a:pPr marL="171450" indent="-171450">
+              <a:buFont typeface="Arial" panose="020B0604020202020204" pitchFamily="34" charset="0"/>
+              <a:buChar char="•"/>
+            </a:pPr>
+            <a:r>
+              <a:rPr lang="en-US" sz="900" b="0" i="0" u="none" strike="noStrike" kern="1200" dirty="0">
+                <a:solidFill>
+                  <a:schemeClr val="tx1"/>
+                </a:solidFill>
+                <a:effectLst/>
+                <a:latin typeface="Segoe UI" panose="020B0502040204020203" pitchFamily="34" charset="0"/>
+                <a:ea typeface="+mn-ea"/>
+                <a:cs typeface="+mn-cs"/>
+              </a:rPr>
+              <a:t>Data flow activities can be operationalized via existing Data Factory/Synapse Pipeline scheduling, control, flow, and monitoring capabilities. Mapping data flows provide a fully visual experience with no coding required. </a:t>
+            </a:r>
+          </a:p>
+          <a:p>
+            <a:pPr marL="171450" indent="-171450">
+              <a:buFont typeface="Arial" panose="020B0604020202020204" pitchFamily="34" charset="0"/>
+              <a:buChar char="•"/>
+            </a:pPr>
+            <a:endParaRPr lang="en-US" sz="900" b="0" i="0" u="none" strike="noStrike" kern="1200" dirty="0">
+              <a:solidFill>
+                <a:schemeClr val="tx1"/>
+              </a:solidFill>
+              <a:effectLst/>
+              <a:latin typeface="Segoe UI" panose="020B0502040204020203" pitchFamily="34" charset="0"/>
+              <a:ea typeface="+mn-ea"/>
+              <a:cs typeface="+mn-cs"/>
+            </a:endParaRPr>
+          </a:p>
+          <a:p>
+            <a:pPr marL="171450" indent="-171450">
+              <a:buFont typeface="Arial" panose="020B0604020202020204" pitchFamily="34" charset="0"/>
+              <a:buChar char="•"/>
+            </a:pPr>
+            <a:r>
+              <a:rPr lang="en-US" sz="900" b="0" i="0" u="none" strike="noStrike" kern="1200" dirty="0">
+                <a:solidFill>
+                  <a:schemeClr val="tx1"/>
+                </a:solidFill>
+                <a:effectLst/>
+                <a:latin typeface="Segoe UI" panose="020B0502040204020203" pitchFamily="34" charset="0"/>
+                <a:ea typeface="+mn-ea"/>
+                <a:cs typeface="+mn-cs"/>
+              </a:rPr>
+              <a:t>Your data flows will run on your own execution cluster for scaled-out data processing. Azure Data Factory/Synapse handles all the code translation, path optimization, and execution of your data flow jobs.</a:t>
+            </a:r>
+          </a:p>
+          <a:p>
+            <a:pPr marL="171450" indent="-171450">
+              <a:buFont typeface="Arial" panose="020B0604020202020204" pitchFamily="34" charset="0"/>
+              <a:buChar char="•"/>
+            </a:pPr>
+            <a:endParaRPr lang="en-US" sz="900" b="0" i="0" u="none" strike="noStrike" kern="1200" dirty="0">
+              <a:solidFill>
+                <a:schemeClr val="tx1"/>
+              </a:solidFill>
+              <a:effectLst/>
+              <a:latin typeface="Segoe UI" panose="020B0502040204020203" pitchFamily="34" charset="0"/>
+              <a:ea typeface="+mn-ea"/>
+              <a:cs typeface="+mn-cs"/>
+            </a:endParaRPr>
+          </a:p>
+          <a:p>
+            <a:pPr marL="0" marR="0" lvl="0" indent="0" algn="l" defTabSz="914400" rtl="0" eaLnBrk="1" fontAlgn="auto" latinLnBrk="0" hangingPunct="1">
+              <a:lnSpc>
+                <a:spcPct val="100000"/>
+              </a:lnSpc>
+              <a:spcBef>
+                <a:spcPts val="0"/>
+              </a:spcBef>
+              <a:spcAft>
+                <a:spcPts val="0"/>
+              </a:spcAft>
+              <a:buClrTx/>
+              <a:buSzTx/>
+              <a:buFontTx/>
+              <a:buNone/>
+              <a:tabLst/>
+              <a:defRPr/>
+            </a:pPr>
+            <a:r>
+              <a:rPr lang="en-US" sz="900" dirty="0"/>
+              <a:t>Data Flow mapping brings the following benefits and capabilities:</a:t>
+            </a:r>
+          </a:p>
+          <a:p>
+            <a:endParaRPr lang="en-US" sz="900" dirty="0"/>
+          </a:p>
+          <a:p>
+            <a:pPr>
+              <a:spcAft>
+                <a:spcPts val="3000"/>
+              </a:spcAft>
+            </a:pPr>
+            <a:r>
+              <a:rPr lang="en-US" sz="900" dirty="0"/>
+              <a:t>- Perform data cleansing, transformation, aggregations, etc.</a:t>
+            </a:r>
+          </a:p>
+          <a:p>
+            <a:pPr>
+              <a:spcAft>
+                <a:spcPts val="3000"/>
+              </a:spcAft>
+            </a:pPr>
+            <a:r>
+              <a:rPr lang="en-US" sz="900" dirty="0"/>
+              <a:t>- Enables you to build resilient data flows in a code free environment</a:t>
+            </a:r>
+          </a:p>
+          <a:p>
+            <a:pPr>
+              <a:spcAft>
+                <a:spcPts val="3000"/>
+              </a:spcAft>
+            </a:pPr>
+            <a:r>
+              <a:rPr lang="en-US" sz="900" dirty="0"/>
+              <a:t>- Enable you to focus on building business logic and data transformation</a:t>
+            </a:r>
+          </a:p>
+          <a:p>
+            <a:pPr marL="0" indent="0">
+              <a:spcAft>
+                <a:spcPts val="3000"/>
+              </a:spcAft>
+              <a:buFontTx/>
+              <a:buNone/>
+            </a:pPr>
+            <a:r>
+              <a:rPr lang="en-US" sz="900" dirty="0"/>
+              <a:t>- The underlying infrastructure is provisioned automatically with cloud scale via Spark execution</a:t>
+            </a:r>
+          </a:p>
+          <a:p>
+            <a:endParaRPr lang="en-US" sz="900" dirty="0"/>
+          </a:p>
+          <a:p>
+            <a:pPr marL="0" marR="0" lvl="0" indent="0" algn="l" defTabSz="914400" rtl="0" eaLnBrk="1" fontAlgn="auto" latinLnBrk="0" hangingPunct="1">
+              <a:lnSpc>
+                <a:spcPct val="100000"/>
+              </a:lnSpc>
+              <a:spcBef>
+                <a:spcPts val="0"/>
+              </a:spcBef>
+              <a:spcAft>
+                <a:spcPts val="0"/>
+              </a:spcAft>
+              <a:buClrTx/>
+              <a:buSzTx/>
+              <a:buFontTx/>
+              <a:buNone/>
+              <a:tabLst/>
+              <a:defRPr/>
+            </a:pPr>
+            <a:r>
+              <a:rPr lang="en-US" sz="900" dirty="0"/>
+              <a:t>Like many data transformation tools, Mapping Data Flow in Azure Data factory supports a great variety of data transformations.</a:t>
+            </a:r>
+          </a:p>
+          <a:p>
+            <a:pPr marL="0" marR="0" lvl="0" indent="0" algn="l" defTabSz="914400" rtl="0" eaLnBrk="1" fontAlgn="auto" latinLnBrk="0" hangingPunct="1">
+              <a:lnSpc>
+                <a:spcPct val="100000"/>
+              </a:lnSpc>
+              <a:spcBef>
+                <a:spcPts val="0"/>
+              </a:spcBef>
+              <a:spcAft>
+                <a:spcPts val="0"/>
+              </a:spcAft>
+              <a:buClrTx/>
+              <a:buSzTx/>
+              <a:buFontTx/>
+              <a:buNone/>
+              <a:tabLst/>
+              <a:defRPr/>
+            </a:pPr>
+            <a:endParaRPr lang="en-US" sz="900" dirty="0"/>
+          </a:p>
+          <a:p>
+            <a:r>
+              <a:rPr lang="en-US" b="1" dirty="0"/>
+              <a:t>Instructor notes and guidance.</a:t>
+            </a:r>
+          </a:p>
+          <a:p>
+            <a:endParaRPr lang="en-US" sz="900" dirty="0"/>
+          </a:p>
+          <a:p>
+            <a:r>
+              <a:rPr lang="en-US" sz="900" b="0" i="0" u="none" strike="noStrike" kern="1200" dirty="0">
+                <a:solidFill>
+                  <a:schemeClr val="tx1"/>
+                </a:solidFill>
+                <a:effectLst/>
+                <a:latin typeface="Segoe UI" panose="020B0502040204020203" pitchFamily="34" charset="0"/>
+                <a:ea typeface="+mn-ea"/>
+                <a:cs typeface="+mn-cs"/>
+              </a:rPr>
+              <a:t>Note that this content is valid for both Azure Data Factory and Azure Synapse Pipelines. Consider showing an example through a demo, you should consider replaying some of the activities done in the lab. The feedback from MCTs about DP200 is that many students needed help the ADF lab, so replaying the mapping data flow should be considered.</a:t>
+            </a:r>
+            <a:endParaRPr lang="en-US" sz="900" dirty="0"/>
+          </a:p>
+          <a:p>
+            <a:pPr marL="228600" indent="-228600">
+              <a:buAutoNum type="arabicPeriod"/>
+            </a:pPr>
+            <a:endParaRPr lang="en-US" sz="900" dirty="0"/>
+          </a:p>
+          <a:p>
+            <a:pPr marL="0" marR="0" lvl="0" indent="0" algn="l" defTabSz="932742" rtl="0" eaLnBrk="1" fontAlgn="auto" latinLnBrk="0" hangingPunct="1">
+              <a:lnSpc>
+                <a:spcPct val="90000"/>
+              </a:lnSpc>
+              <a:spcBef>
+                <a:spcPts val="0"/>
+              </a:spcBef>
+              <a:spcAft>
+                <a:spcPts val="340"/>
+              </a:spcAft>
+              <a:buClrTx/>
+              <a:buSzTx/>
+              <a:buFontTx/>
+              <a:buNone/>
+              <a:tabLst/>
+              <a:defRPr/>
+            </a:pPr>
+            <a:r>
+              <a:rPr lang="en-US" sz="900" b="1" dirty="0"/>
+              <a:t>Recommended reading for this slide</a:t>
+            </a:r>
+          </a:p>
+          <a:p>
+            <a:endParaRPr lang="en-US" sz="900" b="0" i="0" u="none" strike="noStrike" kern="1200" dirty="0">
+              <a:solidFill>
+                <a:schemeClr val="tx1"/>
+              </a:solidFill>
+              <a:effectLst/>
+              <a:latin typeface="+mn-lt"/>
+              <a:ea typeface="+mn-ea"/>
+              <a:cs typeface="+mn-cs"/>
+            </a:endParaRPr>
+          </a:p>
+          <a:p>
+            <a:r>
+              <a:rPr lang="en-GB" dirty="0">
+                <a:hlinkClick r:id="rId3"/>
+              </a:rPr>
+              <a:t>Code-free transformation at scale with Azure Data Factory - Learn | Microsoft Docs</a:t>
+            </a:r>
+            <a:endParaRPr lang="en-US" sz="900" b="0" i="0" u="none" strike="noStrike" kern="1200" dirty="0">
+              <a:solidFill>
+                <a:schemeClr val="tx1"/>
+              </a:solidFill>
+              <a:effectLst/>
+              <a:latin typeface="+mn-lt"/>
+              <a:ea typeface="+mn-ea"/>
+              <a:cs typeface="+mn-cs"/>
+            </a:endParaRPr>
+          </a:p>
+          <a:p>
+            <a:endParaRPr lang="en-US" sz="900" b="0" i="0" u="none" strike="noStrike" kern="1200" dirty="0">
+              <a:solidFill>
+                <a:schemeClr val="tx1"/>
+              </a:solidFill>
+              <a:effectLst/>
+              <a:latin typeface="+mn-lt"/>
+              <a:ea typeface="+mn-ea"/>
+              <a:cs typeface="+mn-cs"/>
+            </a:endParaRPr>
+          </a:p>
+          <a:p>
+            <a:pPr marL="0" marR="0" lvl="0" indent="0" algn="l" defTabSz="932742" rtl="0" eaLnBrk="1" fontAlgn="auto" latinLnBrk="0" hangingPunct="1">
+              <a:lnSpc>
+                <a:spcPct val="90000"/>
+              </a:lnSpc>
+              <a:spcBef>
+                <a:spcPts val="0"/>
+              </a:spcBef>
+              <a:spcAft>
+                <a:spcPts val="340"/>
+              </a:spcAft>
+              <a:buClrTx/>
+              <a:buSzTx/>
+              <a:buFontTx/>
+              <a:buNone/>
+              <a:tabLst/>
+              <a:defRPr/>
+            </a:pPr>
+            <a:endParaRPr lang="en-US" sz="900" kern="1200" dirty="0">
+              <a:solidFill>
+                <a:schemeClr val="tx1"/>
+              </a:solidFill>
+              <a:effectLst/>
+              <a:latin typeface="Segoe UI Light" pitchFamily="34" charset="0"/>
+              <a:ea typeface="+mn-ea"/>
+              <a:cs typeface="+mn-cs"/>
+            </a:endParaRPr>
+          </a:p>
+        </p:txBody>
+      </p:sp>
+      <p:sp>
+        <p:nvSpPr>
+          <p:cNvPr id="4" name="Slide Number Placeholder 3"/>
+          <p:cNvSpPr>
+            <a:spLocks noGrp="1"/>
+          </p:cNvSpPr>
+          <p:nvPr>
+            <p:ph type="sldNum" sz="quarter" idx="10"/>
+          </p:nvPr>
+        </p:nvSpPr>
+        <p:spPr/>
+        <p:txBody>
+          <a:bodyPr/>
+          <a:lstStyle/>
+          <a:p>
+            <a:pPr marL="0" marR="0" lvl="0" indent="0" algn="r" defTabSz="914400" rtl="0" eaLnBrk="1" fontAlgn="auto" latinLnBrk="0" hangingPunct="1">
+              <a:lnSpc>
+                <a:spcPct val="100000"/>
+              </a:lnSpc>
+              <a:spcBef>
+                <a:spcPts val="0"/>
+              </a:spcBef>
+              <a:spcAft>
+                <a:spcPts val="0"/>
+              </a:spcAft>
+              <a:buClrTx/>
+              <a:buSzTx/>
+              <a:buFontTx/>
+              <a:buNone/>
+              <a:tabLst/>
+              <a:defRPr/>
+            </a:pPr>
+            <a:fld id="{98405006-39C0-45CB-A090-104C625ABA2D}" type="slidenum">
+              <a:rPr kumimoji="0" lang="en-US" sz="1800" b="0" i="0" u="none" strike="noStrike" kern="0" cap="none" spc="0" normalizeH="0" baseline="0" noProof="0" smtClean="0">
+                <a:ln>
+                  <a:noFill/>
+                </a:ln>
+                <a:solidFill>
+                  <a:prstClr val="black"/>
+                </a:solidFill>
+                <a:effectLst/>
+                <a:uLnTx/>
+                <a:uFillTx/>
+                <a:latin typeface="Segoe UI"/>
+                <a:ea typeface="+mn-ea"/>
+                <a:cs typeface="+mn-cs"/>
+              </a:rPr>
+              <a:pPr marL="0" marR="0" lvl="0" indent="0" algn="r" defTabSz="914400" rtl="0" eaLnBrk="1" fontAlgn="auto" latinLnBrk="0" hangingPunct="1">
+                <a:lnSpc>
+                  <a:spcPct val="100000"/>
+                </a:lnSpc>
+                <a:spcBef>
+                  <a:spcPts val="0"/>
+                </a:spcBef>
+                <a:spcAft>
+                  <a:spcPts val="0"/>
+                </a:spcAft>
+                <a:buClrTx/>
+                <a:buSzTx/>
+                <a:buFontTx/>
+                <a:buNone/>
+                <a:tabLst/>
+                <a:defRPr/>
+              </a:pPr>
+              <a:t>4</a:t>
+            </a:fld>
+            <a:endParaRPr kumimoji="0" lang="en-US" sz="1800" b="0" i="0" u="none" strike="noStrike" kern="0" cap="none" spc="0" normalizeH="0" baseline="0" noProof="0" dirty="0">
+              <a:ln>
+                <a:noFill/>
+              </a:ln>
+              <a:solidFill>
+                <a:prstClr val="black"/>
+              </a:solidFill>
+              <a:effectLst/>
+              <a:uLnTx/>
+              <a:uFillTx/>
+              <a:latin typeface="Segoe UI"/>
+              <a:ea typeface="+mn-ea"/>
+              <a:cs typeface="+mn-cs"/>
+            </a:endParaRPr>
+          </a:p>
+        </p:txBody>
+      </p:sp>
+    </p:spTree>
+    <p:extLst>
+      <p:ext uri="{BB962C8B-B14F-4D97-AF65-F5344CB8AC3E}">
+        <p14:creationId xmlns:p14="http://schemas.microsoft.com/office/powerpoint/2010/main" val="1456098517"/>
+      </p:ext>
+    </p:extLst>
+  </p:cSld>
+  <p:clrMapOvr>
+    <a:masterClrMapping/>
+  </p:clrMapOvr>
+</p:notes>
+</file>
+
+<file path=ppt/notesSlides/notesSlide5.xml><?xml version="1.0" encoding="utf-8"?>
+<p:notes xmlns:a="http://schemas.openxmlformats.org/drawingml/2006/main" xmlns:r="http://schemas.openxmlformats.org/officeDocument/2006/relationships" xmlns:p="http://schemas.openxmlformats.org/presentationml/2006/main">
+  <p:cSld>
+    <p:spTree>
+      <p:nvGrpSpPr>
+        <p:cNvPr id="1" name=""/>
+        <p:cNvGrpSpPr/>
+        <p:nvPr/>
+      </p:nvGrpSpPr>
+      <p:grpSpPr>
+        <a:xfrm>
+          <a:off x="0" y="0"/>
+          <a:ext cx="0" cy="0"/>
+          <a:chOff x="0" y="0"/>
+          <a:chExt cx="0" cy="0"/>
+        </a:xfrm>
+      </p:grpSpPr>
+      <p:sp>
+        <p:nvSpPr>
+          <p:cNvPr id="2" name="Slide Image Placeholder 1"/>
+          <p:cNvSpPr>
+            <a:spLocks noGrp="1" noRot="1" noChangeAspect="1"/>
+          </p:cNvSpPr>
+          <p:nvPr>
+            <p:ph type="sldImg"/>
+          </p:nvPr>
+        </p:nvSpPr>
+        <p:spPr/>
+      </p:sp>
+      <p:sp>
+        <p:nvSpPr>
+          <p:cNvPr id="3" name="Notes Placeholder 2"/>
+          <p:cNvSpPr>
+            <a:spLocks noGrp="1"/>
+          </p:cNvSpPr>
+          <p:nvPr>
+            <p:ph type="body" idx="1"/>
+          </p:nvPr>
+        </p:nvSpPr>
+        <p:spPr/>
+        <p:txBody>
+          <a:bodyPr/>
+          <a:lstStyle/>
+          <a:p>
+            <a:r>
+              <a:rPr lang="en-US" sz="1200" b="1" dirty="0"/>
+              <a:t>TALKING POINTS</a:t>
+            </a:r>
+          </a:p>
+          <a:p>
+            <a:endParaRPr lang="en-US" sz="1200" dirty="0"/>
+          </a:p>
+          <a:p>
+            <a:r>
+              <a:rPr lang="en-US" sz="1200" dirty="0"/>
+              <a:t>Let’s go over integration data from Notebooks with Azure Data Factory or Azure Synapse Pipelines.</a:t>
+            </a:r>
+          </a:p>
+          <a:p>
+            <a:endParaRPr lang="en-GB" sz="1200" dirty="0"/>
+          </a:p>
+          <a:p>
+            <a:pPr marL="0" marR="0" lvl="0" indent="0" algn="l" defTabSz="914367" rtl="0" eaLnBrk="1" fontAlgn="auto" latinLnBrk="0" hangingPunct="1">
+              <a:lnSpc>
+                <a:spcPct val="90000"/>
+              </a:lnSpc>
+              <a:spcBef>
+                <a:spcPts val="0"/>
+              </a:spcBef>
+              <a:spcAft>
+                <a:spcPts val="333"/>
+              </a:spcAft>
+              <a:buClrTx/>
+              <a:buSzTx/>
+              <a:buFontTx/>
+              <a:buNone/>
+              <a:tabLst/>
+              <a:defRPr/>
+            </a:pPr>
+            <a:r>
+              <a:rPr lang="en-US" sz="1200" b="1" dirty="0"/>
+              <a:t>PRESENTER NOTES AND GUIDANCE</a:t>
+            </a:r>
+          </a:p>
+          <a:p>
+            <a:endParaRPr lang="en-US" sz="1200" dirty="0"/>
+          </a:p>
+          <a:p>
+            <a:pPr marL="0" marR="0" lvl="0" indent="0" algn="l" defTabSz="914367" rtl="0" eaLnBrk="1" fontAlgn="auto" latinLnBrk="0" hangingPunct="1">
+              <a:lnSpc>
+                <a:spcPct val="90000"/>
+              </a:lnSpc>
+              <a:spcBef>
+                <a:spcPts val="0"/>
+              </a:spcBef>
+              <a:spcAft>
+                <a:spcPts val="333"/>
+              </a:spcAft>
+              <a:buClrTx/>
+              <a:buSzTx/>
+              <a:buFontTx/>
+              <a:buNone/>
+              <a:tabLst/>
+              <a:defRPr/>
+            </a:pPr>
+            <a:r>
+              <a:rPr lang="en-US" sz="1200" dirty="0"/>
+              <a:t>N/A.</a:t>
+            </a:r>
+          </a:p>
+          <a:p>
+            <a:endParaRPr lang="en-GB" dirty="0"/>
+          </a:p>
+        </p:txBody>
+      </p:sp>
+      <p:sp>
+        <p:nvSpPr>
+          <p:cNvPr id="4" name="Slide Number Placeholder 3"/>
+          <p:cNvSpPr>
+            <a:spLocks noGrp="1"/>
+          </p:cNvSpPr>
+          <p:nvPr>
+            <p:ph type="sldNum" sz="quarter" idx="5"/>
+          </p:nvPr>
+        </p:nvSpPr>
+        <p:spPr/>
+        <p:txBody>
+          <a:bodyPr/>
+          <a:lstStyle/>
+          <a:p>
+            <a:fld id="{37E24C93-78CA-4AF0-9E77-825D60ABA46D}" type="slidenum">
+              <a:rPr lang="en-US" smtClean="0"/>
+              <a:t>5</a:t>
+            </a:fld>
+            <a:endParaRPr lang="en-US"/>
+          </a:p>
+        </p:txBody>
+      </p:sp>
+    </p:spTree>
+    <p:extLst>
+      <p:ext uri="{BB962C8B-B14F-4D97-AF65-F5344CB8AC3E}">
+        <p14:creationId xmlns:p14="http://schemas.microsoft.com/office/powerpoint/2010/main" val="1850920789"/>
+      </p:ext>
+    </p:extLst>
+  </p:cSld>
+  <p:clrMapOvr>
+    <a:masterClrMapping/>
+  </p:clrMapOvr>
+</p:notes>
+</file>
+
+<file path=ppt/notesSlides/notesSlide6.xml><?xml version="1.0" encoding="utf-8"?>
+<p:notes xmlns:a="http://schemas.openxmlformats.org/drawingml/2006/main" xmlns:r="http://schemas.openxmlformats.org/officeDocument/2006/relationships" xmlns:p="http://schemas.openxmlformats.org/presentationml/2006/main">
+  <p:cSld>
+    <p:spTree>
+      <p:nvGrpSpPr>
+        <p:cNvPr id="1" name=""/>
+        <p:cNvGrpSpPr/>
+        <p:nvPr/>
+      </p:nvGrpSpPr>
+      <p:grpSpPr>
+        <a:xfrm>
+          <a:off x="0" y="0"/>
+          <a:ext cx="0" cy="0"/>
+          <a:chOff x="0" y="0"/>
+          <a:chExt cx="0" cy="0"/>
+        </a:xfrm>
+      </p:grpSpPr>
+      <p:sp>
+        <p:nvSpPr>
+          <p:cNvPr id="2" name="Slide Image Placeholder 1"/>
+          <p:cNvSpPr>
+            <a:spLocks noGrp="1" noRot="1" noChangeAspect="1"/>
+          </p:cNvSpPr>
+          <p:nvPr>
+            <p:ph type="sldImg"/>
+          </p:nvPr>
+        </p:nvSpPr>
+        <p:spPr/>
+      </p:sp>
+      <p:sp>
+        <p:nvSpPr>
+          <p:cNvPr id="3" name="Notes Placeholder 2"/>
+          <p:cNvSpPr>
+            <a:spLocks noGrp="1"/>
+          </p:cNvSpPr>
+          <p:nvPr>
+            <p:ph type="body" idx="1"/>
+          </p:nvPr>
+        </p:nvSpPr>
+        <p:spPr/>
+        <p:txBody>
+          <a:bodyPr/>
+          <a:lstStyle/>
+          <a:p>
+            <a:pPr marL="0" marR="0" lvl="0" indent="0" defTabSz="228554" eaLnBrk="1" fontAlgn="auto" latinLnBrk="0" hangingPunct="1">
+              <a:lnSpc>
+                <a:spcPct val="117999"/>
+              </a:lnSpc>
+              <a:spcBef>
+                <a:spcPts val="0"/>
+              </a:spcBef>
+              <a:spcAft>
+                <a:spcPts val="0"/>
+              </a:spcAft>
+              <a:buClrTx/>
+              <a:buSzTx/>
+              <a:buFontTx/>
+              <a:buNone/>
+              <a:tabLst/>
+              <a:defRPr/>
+            </a:pPr>
+            <a:r>
               <a:rPr lang="en-US" sz="1800" b="1" dirty="0"/>
               <a:t>Talking points</a:t>
             </a:r>
@@ -1343,7 +2006,7 @@
           <a:p>
             <a:fld id="{37E24C93-78CA-4AF0-9E77-825D60ABA46D}" type="slidenum">
               <a:rPr lang="en-US" smtClean="0"/>
-              <a:t>4</a:t>
+              <a:t>6</a:t>
             </a:fld>
             <a:endParaRPr lang="en-US"/>
           </a:p>
@@ -1362,7 +2025,7 @@
 </p:notes>
 </file>
 
-<file path=ppt/notesSlides/notesSlide5.xml><?xml version="1.0" encoding="utf-8"?>
+<file path=ppt/notesSlides/notesSlide7.xml><?xml version="1.0" encoding="utf-8"?>
 <p:notes xmlns:a="http://schemas.openxmlformats.org/drawingml/2006/main" xmlns:r="http://schemas.openxmlformats.org/officeDocument/2006/relationships" xmlns:p="http://schemas.openxmlformats.org/presentationml/2006/main">
   <p:cSld>
     <p:spTree>
@@ -1541,7 +2204,7 @@
           <a:p>
             <a:fld id="{37E24C93-78CA-4AF0-9E77-825D60ABA46D}" type="slidenum">
               <a:rPr lang="en-US" smtClean="0"/>
-              <a:t>8</a:t>
+              <a:t>9</a:t>
             </a:fld>
             <a:endParaRPr lang="en-US"/>
           </a:p>
@@ -1551,90 +2214,6 @@
     <p:extLst>
       <p:ext uri="{BB962C8B-B14F-4D97-AF65-F5344CB8AC3E}">
         <p14:creationId xmlns:p14="http://schemas.microsoft.com/office/powerpoint/2010/main" val="1674645597"/>
-      </p:ext>
-    </p:extLst>
-  </p:cSld>
-  <p:clrMapOvr>
-    <a:masterClrMapping/>
-  </p:clrMapOvr>
-</p:notes>
-</file>
-
-<file path=ppt/notesSlides/notesSlide6.xml><?xml version="1.0" encoding="utf-8"?>
-<p:notes xmlns:a="http://schemas.openxmlformats.org/drawingml/2006/main" xmlns:r="http://schemas.openxmlformats.org/officeDocument/2006/relationships" xmlns:p="http://schemas.openxmlformats.org/presentationml/2006/main">
-  <p:cSld>
-    <p:spTree>
-      <p:nvGrpSpPr>
-        <p:cNvPr id="1" name=""/>
-        <p:cNvGrpSpPr/>
-        <p:nvPr/>
-      </p:nvGrpSpPr>
-      <p:grpSpPr>
-        <a:xfrm>
-          <a:off x="0" y="0"/>
-          <a:ext cx="0" cy="0"/>
-          <a:chOff x="0" y="0"/>
-          <a:chExt cx="0" cy="0"/>
-        </a:xfrm>
-      </p:grpSpPr>
-      <p:sp>
-        <p:nvSpPr>
-          <p:cNvPr id="2" name="Slide Image Placeholder 1"/>
-          <p:cNvSpPr>
-            <a:spLocks noGrp="1" noRot="1" noChangeAspect="1"/>
-          </p:cNvSpPr>
-          <p:nvPr>
-            <p:ph type="sldImg"/>
-          </p:nvPr>
-        </p:nvSpPr>
-        <p:spPr/>
-      </p:sp>
-      <p:sp>
-        <p:nvSpPr>
-          <p:cNvPr id="3" name="Notes Placeholder 2"/>
-          <p:cNvSpPr>
-            <a:spLocks noGrp="1"/>
-          </p:cNvSpPr>
-          <p:nvPr>
-            <p:ph type="body" idx="1"/>
-          </p:nvPr>
-        </p:nvSpPr>
-        <p:spPr/>
-        <p:txBody>
-          <a:bodyPr/>
-          <a:lstStyle/>
-          <a:p>
-            <a:endParaRPr lang="en-US" dirty="0"/>
-          </a:p>
-        </p:txBody>
-      </p:sp>
-      <p:sp>
-        <p:nvSpPr>
-          <p:cNvPr id="4" name="Slide Number Placeholder 3"/>
-          <p:cNvSpPr>
-            <a:spLocks noGrp="1"/>
-          </p:cNvSpPr>
-          <p:nvPr>
-            <p:ph type="sldNum" sz="quarter" idx="5"/>
-          </p:nvPr>
-        </p:nvSpPr>
-        <p:spPr/>
-        <p:txBody>
-          <a:bodyPr/>
-          <a:lstStyle/>
-          <a:p>
-            <a:fld id="{37E24C93-78CA-4AF0-9E77-825D60ABA46D}" type="slidenum">
-              <a:rPr lang="en-US" smtClean="0"/>
-              <a:t>9</a:t>
-            </a:fld>
-            <a:endParaRPr lang="en-US"/>
-          </a:p>
-        </p:txBody>
-      </p:sp>
-    </p:spTree>
-    <p:extLst>
-      <p:ext uri="{BB962C8B-B14F-4D97-AF65-F5344CB8AC3E}">
-        <p14:creationId xmlns:p14="http://schemas.microsoft.com/office/powerpoint/2010/main" val="648820541"/>
       </p:ext>
     </p:extLst>
   </p:cSld>
@@ -18651,11 +19230,22 @@
         </p:nvSpPr>
         <p:spPr/>
         <p:txBody>
-          <a:bodyPr/>
+          <a:bodyPr>
+            <a:normAutofit/>
+          </a:bodyPr>
           <a:lstStyle/>
           <a:p>
             <a:r>
-              <a:rPr lang="en-GB" dirty="0"/>
+              <a:rPr lang="en-GB" sz="1800" dirty="0"/>
+              <a:t>Perform code-free transformations with Azure Data Factory or Azure Synapse Pipelines</a:t>
+            </a:r>
+          </a:p>
+          <a:p>
+            <a:endParaRPr lang="en-GB" sz="1800" dirty="0"/>
+          </a:p>
+          <a:p>
+            <a:r>
+              <a:rPr lang="en-GB" sz="1800" dirty="0"/>
               <a:t>Integrate data from Notebooks with Azure Data Factory or Azure Synapse Pipelines</a:t>
             </a:r>
           </a:p>
@@ -18693,6 +19283,295 @@
       </p:grpSpPr>
       <p:sp>
         <p:nvSpPr>
+          <p:cNvPr id="6" name="Text Placeholder 5">
+            <a:extLst>
+              <a:ext uri="{FF2B5EF4-FFF2-40B4-BE49-F238E27FC236}">
+                <a16:creationId xmlns:a16="http://schemas.microsoft.com/office/drawing/2014/main" id="{D7049368-1D77-4FB6-9EFE-2983D912385F}"/>
+              </a:ext>
+            </a:extLst>
+          </p:cNvPr>
+          <p:cNvSpPr>
+            <a:spLocks noGrp="1"/>
+          </p:cNvSpPr>
+          <p:nvPr>
+            <p:ph type="body" sz="quarter" idx="10"/>
+          </p:nvPr>
+        </p:nvSpPr>
+        <p:spPr/>
+        <p:txBody>
+          <a:bodyPr/>
+          <a:lstStyle/>
+          <a:p>
+            <a:r>
+              <a:rPr lang="en-US" dirty="0"/>
+              <a:t>1</a:t>
+            </a:r>
+          </a:p>
+        </p:txBody>
+      </p:sp>
+      <p:sp>
+        <p:nvSpPr>
+          <p:cNvPr id="4" name="Title 3">
+            <a:extLst>
+              <a:ext uri="{FF2B5EF4-FFF2-40B4-BE49-F238E27FC236}">
+                <a16:creationId xmlns:a16="http://schemas.microsoft.com/office/drawing/2014/main" id="{9E46C473-5637-4B85-A55A-361DC5094AAD}"/>
+              </a:ext>
+            </a:extLst>
+          </p:cNvPr>
+          <p:cNvSpPr>
+            <a:spLocks noGrp="1"/>
+          </p:cNvSpPr>
+          <p:nvPr>
+            <p:ph type="ctrTitle"/>
+          </p:nvPr>
+        </p:nvSpPr>
+        <p:spPr>
+          <a:xfrm>
+            <a:off x="1387812" y="2055944"/>
+            <a:ext cx="3921249" cy="2859633"/>
+          </a:xfrm>
+        </p:spPr>
+        <p:txBody>
+          <a:bodyPr>
+            <a:normAutofit fontScale="90000"/>
+          </a:bodyPr>
+          <a:lstStyle/>
+          <a:p>
+            <a:r>
+              <a:rPr lang="en-US" dirty="0"/>
+              <a:t>Perform code-free transformations at scale with Azure Synapse Pipelines</a:t>
+            </a:r>
+          </a:p>
+        </p:txBody>
+      </p:sp>
+      <p:sp>
+        <p:nvSpPr>
+          <p:cNvPr id="5" name="Subtitle 4">
+            <a:extLst>
+              <a:ext uri="{FF2B5EF4-FFF2-40B4-BE49-F238E27FC236}">
+                <a16:creationId xmlns:a16="http://schemas.microsoft.com/office/drawing/2014/main" id="{0AAE9A0A-78EC-4CE8-A845-DAF15EE619DD}"/>
+              </a:ext>
+            </a:extLst>
+          </p:cNvPr>
+          <p:cNvSpPr>
+            <a:spLocks noGrp="1"/>
+          </p:cNvSpPr>
+          <p:nvPr>
+            <p:ph type="subTitle" idx="1"/>
+          </p:nvPr>
+        </p:nvSpPr>
+        <p:spPr/>
+        <p:txBody>
+          <a:bodyPr/>
+          <a:lstStyle/>
+          <a:p>
+            <a:endParaRPr lang="en-US"/>
+          </a:p>
+        </p:txBody>
+      </p:sp>
+      <p:sp>
+        <p:nvSpPr>
+          <p:cNvPr id="2" name="Footer Placeholder 1">
+            <a:extLst>
+              <a:ext uri="{FF2B5EF4-FFF2-40B4-BE49-F238E27FC236}">
+                <a16:creationId xmlns:a16="http://schemas.microsoft.com/office/drawing/2014/main" id="{D2D324A0-A22E-4715-A167-B35FB5D5C504}"/>
+              </a:ext>
+            </a:extLst>
+          </p:cNvPr>
+          <p:cNvSpPr>
+            <a:spLocks noGrp="1"/>
+          </p:cNvSpPr>
+          <p:nvPr>
+            <p:ph type="ftr" sz="quarter" idx="4294967295"/>
+          </p:nvPr>
+        </p:nvSpPr>
+        <p:spPr>
+          <a:xfrm>
+            <a:off x="8077200" y="6465888"/>
+            <a:ext cx="4114800" cy="331787"/>
+          </a:xfrm>
+        </p:spPr>
+        <p:txBody>
+          <a:bodyPr/>
+          <a:lstStyle/>
+          <a:p>
+            <a:r>
+              <a:rPr lang="en-US"/>
+              <a:t>WWW.SOLLIANCE.NET</a:t>
+            </a:r>
+            <a:endParaRPr lang="en-US" dirty="0"/>
+          </a:p>
+        </p:txBody>
+      </p:sp>
+      <p:sp>
+        <p:nvSpPr>
+          <p:cNvPr id="3" name="Slide Number Placeholder 2">
+            <a:extLst>
+              <a:ext uri="{FF2B5EF4-FFF2-40B4-BE49-F238E27FC236}">
+                <a16:creationId xmlns:a16="http://schemas.microsoft.com/office/drawing/2014/main" id="{4EA68737-E2C6-4905-BA18-1DC7DC84C8CE}"/>
+              </a:ext>
+            </a:extLst>
+          </p:cNvPr>
+          <p:cNvSpPr>
+            <a:spLocks noGrp="1"/>
+          </p:cNvSpPr>
+          <p:nvPr>
+            <p:ph type="sldNum" sz="quarter" idx="4294967295"/>
+          </p:nvPr>
+        </p:nvSpPr>
+        <p:spPr>
+          <a:xfrm>
+            <a:off x="11755438" y="6465888"/>
+            <a:ext cx="436562" cy="331787"/>
+          </a:xfrm>
+        </p:spPr>
+        <p:txBody>
+          <a:bodyPr/>
+          <a:lstStyle/>
+          <a:p>
+            <a:fld id="{00F9DAA1-1DF7-43E0-8E29-0CE1148553C7}" type="slidenum">
+              <a:rPr lang="en-US" smtClean="0"/>
+              <a:pPr/>
+              <a:t>3</a:t>
+            </a:fld>
+            <a:endParaRPr lang="en-US" dirty="0"/>
+          </a:p>
+        </p:txBody>
+      </p:sp>
+    </p:spTree>
+    <p:extLst>
+      <p:ext uri="{BB962C8B-B14F-4D97-AF65-F5344CB8AC3E}">
+        <p14:creationId xmlns:p14="http://schemas.microsoft.com/office/powerpoint/2010/main" val="1674170052"/>
+      </p:ext>
+    </p:extLst>
+  </p:cSld>
+  <p:clrMapOvr>
+    <a:masterClrMapping/>
+  </p:clrMapOvr>
+</p:sld>
+</file>
+
+<file path=ppt/slides/slide4.xml><?xml version="1.0" encoding="utf-8"?>
+<p:sld xmlns:a="http://schemas.openxmlformats.org/drawingml/2006/main" xmlns:r="http://schemas.openxmlformats.org/officeDocument/2006/relationships" xmlns:p="http://schemas.openxmlformats.org/presentationml/2006/main">
+  <p:cSld>
+    <p:spTree>
+      <p:nvGrpSpPr>
+        <p:cNvPr id="1" name=""/>
+        <p:cNvGrpSpPr/>
+        <p:nvPr/>
+      </p:nvGrpSpPr>
+      <p:grpSpPr>
+        <a:xfrm>
+          <a:off x="0" y="0"/>
+          <a:ext cx="0" cy="0"/>
+          <a:chOff x="0" y="0"/>
+          <a:chExt cx="0" cy="0"/>
+        </a:xfrm>
+      </p:grpSpPr>
+      <p:sp>
+        <p:nvSpPr>
+          <p:cNvPr id="23" name="Title 22"/>
+          <p:cNvSpPr>
+            <a:spLocks noGrp="1"/>
+          </p:cNvSpPr>
+          <p:nvPr>
+            <p:ph type="title" idx="4294967295"/>
+          </p:nvPr>
+        </p:nvSpPr>
+        <p:spPr>
+          <a:xfrm>
+            <a:off x="265470" y="502726"/>
+            <a:ext cx="11342688" cy="804862"/>
+          </a:xfrm>
+        </p:spPr>
+        <p:txBody>
+          <a:bodyPr>
+            <a:normAutofit fontScale="90000"/>
+          </a:bodyPr>
+          <a:lstStyle/>
+          <a:p>
+            <a:r>
+              <a:rPr lang="en-GB" dirty="0"/>
+              <a:t>Code-free transformation at scale with Azure Data Factory or Azure Synapse Pipelines</a:t>
+            </a:r>
+            <a:endParaRPr lang="en-US" dirty="0"/>
+          </a:p>
+        </p:txBody>
+      </p:sp>
+      <p:pic>
+        <p:nvPicPr>
+          <p:cNvPr id="3" name="Picture 2" descr="This image shows an example of creating a mapping data flow in Azure Data Factory, or Azure Synapse Pipelines">
+            <a:extLst>
+              <a:ext uri="{FF2B5EF4-FFF2-40B4-BE49-F238E27FC236}">
+                <a16:creationId xmlns:a16="http://schemas.microsoft.com/office/drawing/2014/main" id="{F884D2D3-74C4-4326-8739-FF4F38A1ED8F}"/>
+              </a:ext>
+            </a:extLst>
+          </p:cNvPr>
+          <p:cNvPicPr>
+            <a:picLocks noChangeAspect="1"/>
+          </p:cNvPicPr>
+          <p:nvPr/>
+        </p:nvPicPr>
+        <p:blipFill>
+          <a:blip r:embed="rId3"/>
+          <a:stretch>
+            <a:fillRect/>
+          </a:stretch>
+        </p:blipFill>
+        <p:spPr>
+          <a:xfrm>
+            <a:off x="471538" y="1959687"/>
+            <a:ext cx="11290925" cy="3782320"/>
+          </a:xfrm>
+          <a:prstGeom prst="rect">
+            <a:avLst/>
+          </a:prstGeom>
+        </p:spPr>
+      </p:pic>
+    </p:spTree>
+    <p:extLst>
+      <p:ext uri="{BB962C8B-B14F-4D97-AF65-F5344CB8AC3E}">
+        <p14:creationId xmlns:p14="http://schemas.microsoft.com/office/powerpoint/2010/main" val="2226993777"/>
+      </p:ext>
+    </p:extLst>
+  </p:cSld>
+  <p:clrMapOvr>
+    <a:masterClrMapping/>
+  </p:clrMapOvr>
+  <mc:AlternateContent xmlns:mc="http://schemas.openxmlformats.org/markup-compatibility/2006" xmlns:p14="http://schemas.microsoft.com/office/powerpoint/2010/main">
+    <mc:Choice Requires="p14">
+      <p:transition spd="med" p14:dur="700">
+        <p:fade/>
+      </p:transition>
+    </mc:Choice>
+    <mc:Fallback xmlns="">
+      <p:transition spd="med">
+        <p:fade/>
+      </p:transition>
+    </mc:Fallback>
+  </mc:AlternateContent>
+</p:sld>
+</file>
+
+<file path=ppt/slides/slide5.xml><?xml version="1.0" encoding="utf-8"?>
+<p:sld xmlns:a="http://schemas.openxmlformats.org/drawingml/2006/main" xmlns:r="http://schemas.openxmlformats.org/officeDocument/2006/relationships" xmlns:p="http://schemas.openxmlformats.org/presentationml/2006/main">
+  <p:cSld>
+    <p:spTree>
+      <p:nvGrpSpPr>
+        <p:cNvPr id="1" name=""/>
+        <p:cNvGrpSpPr/>
+        <p:nvPr/>
+      </p:nvGrpSpPr>
+      <p:grpSpPr>
+        <a:xfrm>
+          <a:off x="0" y="0"/>
+          <a:ext cx="0" cy="0"/>
+          <a:chOff x="0" y="0"/>
+          <a:chExt cx="0" cy="0"/>
+        </a:xfrm>
+      </p:grpSpPr>
+      <p:sp>
+        <p:nvSpPr>
           <p:cNvPr id="9" name="Text Placeholder 8">
             <a:extLst>
               <a:ext uri="{FF2B5EF4-FFF2-40B4-BE49-F238E27FC236}">
@@ -18719,7 +19598,7 @@
           <a:p>
             <a:r>
               <a:rPr lang="en-US" dirty="0"/>
-              <a:t>1</a:t>
+              <a:t>2</a:t>
             </a:r>
           </a:p>
         </p:txBody>
@@ -18742,13 +19621,13 @@
         </p:nvSpPr>
         <p:spPr>
           <a:xfrm>
-            <a:off x="1387813" y="1476188"/>
-            <a:ext cx="4037172" cy="3439389"/>
+            <a:off x="1387813" y="2434517"/>
+            <a:ext cx="4037172" cy="2481060"/>
           </a:xfrm>
         </p:spPr>
         <p:txBody>
           <a:bodyPr>
-            <a:normAutofit/>
+            <a:normAutofit fontScale="90000"/>
           </a:bodyPr>
           <a:lstStyle/>
           <a:p>
@@ -18798,7 +19677,7 @@
 </p:sld>
 </file>
 
-<file path=ppt/slides/slide4.xml><?xml version="1.0" encoding="utf-8"?>
+<file path=ppt/slides/slide6.xml><?xml version="1.0" encoding="utf-8"?>
 <p:sld xmlns:a="http://schemas.openxmlformats.org/drawingml/2006/main" xmlns:r="http://schemas.openxmlformats.org/officeDocument/2006/relationships" xmlns:p="http://schemas.openxmlformats.org/presentationml/2006/main">
   <p:cSld>
     <p:spTree>
@@ -18949,7 +19828,7 @@
                 <a:tabLst/>
                 <a:defRPr/>
               </a:pPr>
-              <a:t>4</a:t>
+              <a:t>6</a:t>
             </a:fld>
             <a:endParaRPr kumimoji="0" lang="en-US" sz="900" b="1" i="0" u="none" strike="noStrike" kern="1200" cap="none" spc="0" normalizeH="0" baseline="0" noProof="0">
               <a:ln>
@@ -19937,7 +20816,7 @@
 </p:sld>
 </file>
 
-<file path=ppt/slides/slide5.xml><?xml version="1.0" encoding="utf-8"?>
+<file path=ppt/slides/slide7.xml><?xml version="1.0" encoding="utf-8"?>
 <p:sld xmlns:a="http://schemas.openxmlformats.org/drawingml/2006/main" xmlns:r="http://schemas.openxmlformats.org/officeDocument/2006/relationships" xmlns:p="http://schemas.openxmlformats.org/presentationml/2006/main">
   <p:cSld>
     <p:spTree>
@@ -20007,7 +20886,7 @@
             <a:fld id="{00F9DAA1-1DF7-43E0-8E29-0CE1148553C7}" type="slidenum">
               <a:rPr lang="en-US" smtClean="0"/>
               <a:pPr/>
-              <a:t>5</a:t>
+              <a:t>7</a:t>
             </a:fld>
             <a:endParaRPr lang="en-US" dirty="0"/>
           </a:p>
@@ -20122,370 +21001,6 @@
     <p:extLst>
       <p:ext uri="{BB962C8B-B14F-4D97-AF65-F5344CB8AC3E}">
         <p14:creationId xmlns:p14="http://schemas.microsoft.com/office/powerpoint/2010/main" val="2433235846"/>
-      </p:ext>
-    </p:extLst>
-  </p:cSld>
-  <p:clrMapOvr>
-    <a:masterClrMapping/>
-  </p:clrMapOvr>
-</p:sld>
-</file>
-
-<file path=ppt/slides/slide6.xml><?xml version="1.0" encoding="utf-8"?>
-<p:sld xmlns:a="http://schemas.openxmlformats.org/drawingml/2006/main" xmlns:r="http://schemas.openxmlformats.org/officeDocument/2006/relationships" xmlns:p="http://schemas.openxmlformats.org/presentationml/2006/main">
-  <p:cSld>
-    <p:spTree>
-      <p:nvGrpSpPr>
-        <p:cNvPr id="1" name=""/>
-        <p:cNvGrpSpPr/>
-        <p:nvPr/>
-      </p:nvGrpSpPr>
-      <p:grpSpPr>
-        <a:xfrm>
-          <a:off x="0" y="0"/>
-          <a:ext cx="0" cy="0"/>
-          <a:chOff x="0" y="0"/>
-          <a:chExt cx="0" cy="0"/>
-        </a:xfrm>
-      </p:grpSpPr>
-      <p:sp>
-        <p:nvSpPr>
-          <p:cNvPr id="2" name="Footer Placeholder 1">
-            <a:extLst>
-              <a:ext uri="{FF2B5EF4-FFF2-40B4-BE49-F238E27FC236}">
-                <a16:creationId xmlns:a16="http://schemas.microsoft.com/office/drawing/2014/main" id="{A6F7A44B-E0BB-4920-8630-64C5E07E5A51}"/>
-              </a:ext>
-            </a:extLst>
-          </p:cNvPr>
-          <p:cNvSpPr>
-            <a:spLocks noGrp="1"/>
-          </p:cNvSpPr>
-          <p:nvPr>
-            <p:ph type="ftr" sz="quarter" idx="3"/>
-          </p:nvPr>
-        </p:nvSpPr>
-        <p:spPr/>
-        <p:txBody>
-          <a:bodyPr/>
-          <a:lstStyle/>
-          <a:p>
-            <a:r>
-              <a:rPr lang="en-US"/>
-              <a:t>WWW.SOLLIANCE.NET</a:t>
-            </a:r>
-            <a:endParaRPr lang="en-US" dirty="0"/>
-          </a:p>
-        </p:txBody>
-      </p:sp>
-      <p:sp>
-        <p:nvSpPr>
-          <p:cNvPr id="3" name="Slide Number Placeholder 2">
-            <a:extLst>
-              <a:ext uri="{FF2B5EF4-FFF2-40B4-BE49-F238E27FC236}">
-                <a16:creationId xmlns:a16="http://schemas.microsoft.com/office/drawing/2014/main" id="{1528CA56-F812-4184-8729-25899B9D265B}"/>
-              </a:ext>
-            </a:extLst>
-          </p:cNvPr>
-          <p:cNvSpPr>
-            <a:spLocks noGrp="1"/>
-          </p:cNvSpPr>
-          <p:nvPr>
-            <p:ph type="sldNum" sz="quarter" idx="4"/>
-          </p:nvPr>
-        </p:nvSpPr>
-        <p:spPr/>
-        <p:txBody>
-          <a:bodyPr/>
-          <a:lstStyle/>
-          <a:p>
-            <a:fld id="{00F9DAA1-1DF7-43E0-8E29-0CE1148553C7}" type="slidenum">
-              <a:rPr lang="en-US" smtClean="0"/>
-              <a:pPr/>
-              <a:t>6</a:t>
-            </a:fld>
-            <a:endParaRPr lang="en-US" dirty="0"/>
-          </a:p>
-        </p:txBody>
-      </p:sp>
-      <p:pic>
-        <p:nvPicPr>
-          <p:cNvPr id="2052" name="Picture 4">
-            <a:extLst>
-              <a:ext uri="{FF2B5EF4-FFF2-40B4-BE49-F238E27FC236}">
-                <a16:creationId xmlns:a16="http://schemas.microsoft.com/office/drawing/2014/main" id="{1BE5FDDA-6D1C-45F0-9EDB-2FA91A3DC3EC}"/>
-              </a:ext>
-            </a:extLst>
-          </p:cNvPr>
-          <p:cNvPicPr>
-            <a:picLocks noChangeAspect="1" noChangeArrowheads="1"/>
-          </p:cNvPicPr>
-          <p:nvPr/>
-        </p:nvPicPr>
-        <p:blipFill>
-          <a:blip r:embed="rId2">
-            <a:extLst>
-              <a:ext uri="{28A0092B-C50C-407E-A947-70E740481C1C}">
-                <a14:useLocalDpi xmlns:a14="http://schemas.microsoft.com/office/drawing/2010/main" val="0"/>
-              </a:ext>
-            </a:extLst>
-          </a:blip>
-          <a:srcRect/>
-          <a:stretch>
-            <a:fillRect/>
-          </a:stretch>
-        </p:blipFill>
-        <p:spPr bwMode="auto">
-          <a:xfrm>
-            <a:off x="2693295" y="490404"/>
-            <a:ext cx="9498705" cy="5779494"/>
-          </a:xfrm>
-          <a:prstGeom prst="rect">
-            <a:avLst/>
-          </a:prstGeom>
-          <a:noFill/>
-          <a:extLst>
-            <a:ext uri="{909E8E84-426E-40DD-AFC4-6F175D3DCCD1}">
-              <a14:hiddenFill xmlns:a14="http://schemas.microsoft.com/office/drawing/2010/main">
-                <a:solidFill>
-                  <a:srgbClr val="FFFFFF"/>
-                </a:solidFill>
-              </a14:hiddenFill>
-            </a:ext>
-          </a:extLst>
-        </p:spPr>
-      </p:pic>
-      <p:sp>
-        <p:nvSpPr>
-          <p:cNvPr id="7" name="TextBox 6">
-            <a:extLst>
-              <a:ext uri="{FF2B5EF4-FFF2-40B4-BE49-F238E27FC236}">
-                <a16:creationId xmlns:a16="http://schemas.microsoft.com/office/drawing/2014/main" id="{7D7B4DFC-AA7E-4C05-83D8-FE8F97EFFF99}"/>
-              </a:ext>
-            </a:extLst>
-          </p:cNvPr>
-          <p:cNvSpPr txBox="1"/>
-          <p:nvPr/>
-        </p:nvSpPr>
-        <p:spPr>
-          <a:xfrm>
-            <a:off x="214552" y="1144277"/>
-            <a:ext cx="2278337" cy="3693319"/>
-          </a:xfrm>
-          <a:prstGeom prst="rect">
-            <a:avLst/>
-          </a:prstGeom>
-          <a:noFill/>
-        </p:spPr>
-        <p:txBody>
-          <a:bodyPr wrap="square" rtlCol="0">
-            <a:spAutoFit/>
-          </a:bodyPr>
-          <a:lstStyle/>
-          <a:p>
-            <a:r>
-              <a:rPr lang="en-US" dirty="0"/>
-              <a:t>The Synapse pipeline notebook activity can send parameters to the notebook.</a:t>
-            </a:r>
-          </a:p>
-          <a:p>
-            <a:endParaRPr lang="en-US" dirty="0"/>
-          </a:p>
-          <a:p>
-            <a:r>
-              <a:rPr lang="en-US" dirty="0"/>
-              <a:t>Notice the name of </a:t>
-            </a:r>
-            <a:r>
-              <a:rPr lang="en-US" b="1" dirty="0" err="1"/>
-              <a:t>runId</a:t>
-            </a:r>
-            <a:r>
-              <a:rPr lang="en-US" dirty="0"/>
-              <a:t> matches the name of the parameter variable used in the parameter cell.</a:t>
-            </a:r>
-          </a:p>
-        </p:txBody>
-      </p:sp>
-    </p:spTree>
-    <p:extLst>
-      <p:ext uri="{BB962C8B-B14F-4D97-AF65-F5344CB8AC3E}">
-        <p14:creationId xmlns:p14="http://schemas.microsoft.com/office/powerpoint/2010/main" val="744479437"/>
-      </p:ext>
-    </p:extLst>
-  </p:cSld>
-  <p:clrMapOvr>
-    <a:masterClrMapping/>
-  </p:clrMapOvr>
-</p:sld>
-</file>
-
-<file path=ppt/slides/slide7.xml><?xml version="1.0" encoding="utf-8"?>
-<p:sld xmlns:a="http://schemas.openxmlformats.org/drawingml/2006/main" xmlns:r="http://schemas.openxmlformats.org/officeDocument/2006/relationships" xmlns:p="http://schemas.openxmlformats.org/presentationml/2006/main" show="0">
-  <p:cSld>
-    <p:spTree>
-      <p:nvGrpSpPr>
-        <p:cNvPr id="1" name=""/>
-        <p:cNvGrpSpPr/>
-        <p:nvPr/>
-      </p:nvGrpSpPr>
-      <p:grpSpPr>
-        <a:xfrm>
-          <a:off x="0" y="0"/>
-          <a:ext cx="0" cy="0"/>
-          <a:chOff x="0" y="0"/>
-          <a:chExt cx="0" cy="0"/>
-        </a:xfrm>
-      </p:grpSpPr>
-      <p:sp>
-        <p:nvSpPr>
-          <p:cNvPr id="2" name="Title 1">
-            <a:extLst>
-              <a:ext uri="{FF2B5EF4-FFF2-40B4-BE49-F238E27FC236}">
-                <a16:creationId xmlns:a16="http://schemas.microsoft.com/office/drawing/2014/main" id="{F9E03E42-4E21-438E-885A-1F54A1EF7770}"/>
-              </a:ext>
-            </a:extLst>
-          </p:cNvPr>
-          <p:cNvSpPr>
-            <a:spLocks noGrp="1"/>
-          </p:cNvSpPr>
-          <p:nvPr>
-            <p:ph type="title"/>
-          </p:nvPr>
-        </p:nvSpPr>
-        <p:spPr/>
-        <p:txBody>
-          <a:bodyPr/>
-          <a:lstStyle/>
-          <a:p>
-            <a:r>
-              <a:rPr lang="en-US" dirty="0"/>
-              <a:t>Notebook activity</a:t>
-            </a:r>
-          </a:p>
-        </p:txBody>
-      </p:sp>
-      <p:sp>
-        <p:nvSpPr>
-          <p:cNvPr id="3" name="Footer Placeholder 2">
-            <a:extLst>
-              <a:ext uri="{FF2B5EF4-FFF2-40B4-BE49-F238E27FC236}">
-                <a16:creationId xmlns:a16="http://schemas.microsoft.com/office/drawing/2014/main" id="{310E5327-908A-424A-BE3F-E939E83C935A}"/>
-              </a:ext>
-            </a:extLst>
-          </p:cNvPr>
-          <p:cNvSpPr>
-            <a:spLocks noGrp="1"/>
-          </p:cNvSpPr>
-          <p:nvPr>
-            <p:ph type="ftr" sz="quarter" idx="3"/>
-          </p:nvPr>
-        </p:nvSpPr>
-        <p:spPr/>
-        <p:txBody>
-          <a:bodyPr/>
-          <a:lstStyle/>
-          <a:p>
-            <a:r>
-              <a:rPr lang="en-US"/>
-              <a:t>WWW.SOLLIANCE.NET</a:t>
-            </a:r>
-            <a:endParaRPr lang="en-US" dirty="0"/>
-          </a:p>
-        </p:txBody>
-      </p:sp>
-      <p:sp>
-        <p:nvSpPr>
-          <p:cNvPr id="4" name="Slide Number Placeholder 3">
-            <a:extLst>
-              <a:ext uri="{FF2B5EF4-FFF2-40B4-BE49-F238E27FC236}">
-                <a16:creationId xmlns:a16="http://schemas.microsoft.com/office/drawing/2014/main" id="{BEA167C6-2E31-4170-879E-CA835EE267DD}"/>
-              </a:ext>
-            </a:extLst>
-          </p:cNvPr>
-          <p:cNvSpPr>
-            <a:spLocks noGrp="1"/>
-          </p:cNvSpPr>
-          <p:nvPr>
-            <p:ph type="sldNum" sz="quarter" idx="4"/>
-          </p:nvPr>
-        </p:nvSpPr>
-        <p:spPr/>
-        <p:txBody>
-          <a:bodyPr/>
-          <a:lstStyle/>
-          <a:p>
-            <a:fld id="{00F9DAA1-1DF7-43E0-8E29-0CE1148553C7}" type="slidenum">
-              <a:rPr lang="en-US" smtClean="0"/>
-              <a:pPr/>
-              <a:t>7</a:t>
-            </a:fld>
-            <a:endParaRPr lang="en-US" dirty="0"/>
-          </a:p>
-        </p:txBody>
-      </p:sp>
-      <p:sp>
-        <p:nvSpPr>
-          <p:cNvPr id="5" name="Text Placeholder 4">
-            <a:extLst>
-              <a:ext uri="{FF2B5EF4-FFF2-40B4-BE49-F238E27FC236}">
-                <a16:creationId xmlns:a16="http://schemas.microsoft.com/office/drawing/2014/main" id="{E0473410-CC01-47D7-B379-B7314E69771C}"/>
-              </a:ext>
-            </a:extLst>
-          </p:cNvPr>
-          <p:cNvSpPr>
-            <a:spLocks noGrp="1"/>
-          </p:cNvSpPr>
-          <p:nvPr>
-            <p:ph type="body" sz="quarter" idx="10"/>
-          </p:nvPr>
-        </p:nvSpPr>
-        <p:spPr/>
-        <p:txBody>
-          <a:bodyPr/>
-          <a:lstStyle/>
-          <a:p>
-            <a:r>
-              <a:rPr lang="en-US" dirty="0"/>
-              <a:t>Runs a Synapse notebook in your Synapse Workspace</a:t>
-            </a:r>
-          </a:p>
-          <a:p>
-            <a:endParaRPr lang="en-US" dirty="0"/>
-          </a:p>
-          <a:p>
-            <a:endParaRPr lang="en-US" dirty="0"/>
-          </a:p>
-        </p:txBody>
-      </p:sp>
-      <p:sp>
-        <p:nvSpPr>
-          <p:cNvPr id="6" name="Text Placeholder 5">
-            <a:extLst>
-              <a:ext uri="{FF2B5EF4-FFF2-40B4-BE49-F238E27FC236}">
-                <a16:creationId xmlns:a16="http://schemas.microsoft.com/office/drawing/2014/main" id="{16D211A2-9FFA-48AD-8F5A-51252B1198BE}"/>
-              </a:ext>
-            </a:extLst>
-          </p:cNvPr>
-          <p:cNvSpPr>
-            <a:spLocks noGrp="1"/>
-          </p:cNvSpPr>
-          <p:nvPr>
-            <p:ph type="body" sz="quarter" idx="16"/>
-          </p:nvPr>
-        </p:nvSpPr>
-        <p:spPr/>
-        <p:txBody>
-          <a:bodyPr/>
-          <a:lstStyle/>
-          <a:p>
-            <a:endParaRPr lang="en-US"/>
-          </a:p>
-        </p:txBody>
-      </p:sp>
-    </p:spTree>
-    <p:extLst>
-      <p:ext uri="{BB962C8B-B14F-4D97-AF65-F5344CB8AC3E}">
-        <p14:creationId xmlns:p14="http://schemas.microsoft.com/office/powerpoint/2010/main" val="2947309483"/>
       </p:ext>
     </p:extLst>
   </p:cSld>
@@ -20514,68 +21029,158 @@
       </p:grpSpPr>
       <p:sp>
         <p:nvSpPr>
-          <p:cNvPr id="2" name="Title 1">
-            <a:extLst>
-              <a:ext uri="{FF2B5EF4-FFF2-40B4-BE49-F238E27FC236}">
-                <a16:creationId xmlns:a16="http://schemas.microsoft.com/office/drawing/2014/main" id="{21A99087-F939-4EAF-AD38-211701C7799F}"/>
-              </a:ext>
-            </a:extLst>
-          </p:cNvPr>
-          <p:cNvSpPr>
-            <a:spLocks noGrp="1"/>
-          </p:cNvSpPr>
-          <p:nvPr>
-            <p:ph type="ctrTitle"/>
-          </p:nvPr>
-        </p:nvSpPr>
-        <p:spPr>
-          <a:xfrm>
-            <a:off x="1387813" y="3415452"/>
-            <a:ext cx="9144000" cy="1096613"/>
-          </a:xfrm>
-        </p:spPr>
-        <p:txBody>
-          <a:bodyPr>
-            <a:normAutofit fontScale="90000"/>
+          <p:cNvPr id="2" name="Footer Placeholder 1">
+            <a:extLst>
+              <a:ext uri="{FF2B5EF4-FFF2-40B4-BE49-F238E27FC236}">
+                <a16:creationId xmlns:a16="http://schemas.microsoft.com/office/drawing/2014/main" id="{A6F7A44B-E0BB-4920-8630-64C5E07E5A51}"/>
+              </a:ext>
+            </a:extLst>
+          </p:cNvPr>
+          <p:cNvSpPr>
+            <a:spLocks noGrp="1"/>
+          </p:cNvSpPr>
+          <p:nvPr>
+            <p:ph type="ftr" sz="quarter" idx="3"/>
+          </p:nvPr>
+        </p:nvSpPr>
+        <p:spPr/>
+        <p:txBody>
+          <a:bodyPr/>
+          <a:lstStyle/>
+          <a:p>
+            <a:r>
+              <a:rPr lang="en-US"/>
+              <a:t>WWW.SOLLIANCE.NET</a:t>
+            </a:r>
+            <a:endParaRPr lang="en-US" dirty="0"/>
+          </a:p>
+        </p:txBody>
+      </p:sp>
+      <p:sp>
+        <p:nvSpPr>
+          <p:cNvPr id="3" name="Slide Number Placeholder 2">
+            <a:extLst>
+              <a:ext uri="{FF2B5EF4-FFF2-40B4-BE49-F238E27FC236}">
+                <a16:creationId xmlns:a16="http://schemas.microsoft.com/office/drawing/2014/main" id="{1528CA56-F812-4184-8729-25899B9D265B}"/>
+              </a:ext>
+            </a:extLst>
+          </p:cNvPr>
+          <p:cNvSpPr>
+            <a:spLocks noGrp="1"/>
+          </p:cNvSpPr>
+          <p:nvPr>
+            <p:ph type="sldNum" sz="quarter" idx="4"/>
+          </p:nvPr>
+        </p:nvSpPr>
+        <p:spPr/>
+        <p:txBody>
+          <a:bodyPr/>
+          <a:lstStyle/>
+          <a:p>
+            <a:fld id="{00F9DAA1-1DF7-43E0-8E29-0CE1148553C7}" type="slidenum">
+              <a:rPr lang="en-US" smtClean="0"/>
+              <a:pPr/>
+              <a:t>8</a:t>
+            </a:fld>
+            <a:endParaRPr lang="en-US" dirty="0"/>
+          </a:p>
+        </p:txBody>
+      </p:sp>
+      <p:pic>
+        <p:nvPicPr>
+          <p:cNvPr id="2052" name="Picture 4">
+            <a:extLst>
+              <a:ext uri="{FF2B5EF4-FFF2-40B4-BE49-F238E27FC236}">
+                <a16:creationId xmlns:a16="http://schemas.microsoft.com/office/drawing/2014/main" id="{1BE5FDDA-6D1C-45F0-9EDB-2FA91A3DC3EC}"/>
+              </a:ext>
+            </a:extLst>
+          </p:cNvPr>
+          <p:cNvPicPr>
+            <a:picLocks noChangeAspect="1" noChangeArrowheads="1"/>
+          </p:cNvPicPr>
+          <p:nvPr/>
+        </p:nvPicPr>
+        <p:blipFill>
+          <a:blip r:embed="rId2">
+            <a:extLst>
+              <a:ext uri="{28A0092B-C50C-407E-A947-70E740481C1C}">
+                <a14:useLocalDpi xmlns:a14="http://schemas.microsoft.com/office/drawing/2010/main" val="0"/>
+              </a:ext>
+            </a:extLst>
+          </a:blip>
+          <a:srcRect/>
+          <a:stretch>
+            <a:fillRect/>
+          </a:stretch>
+        </p:blipFill>
+        <p:spPr bwMode="auto">
+          <a:xfrm>
+            <a:off x="2693295" y="490404"/>
+            <a:ext cx="9498705" cy="5779494"/>
+          </a:xfrm>
+          <a:prstGeom prst="rect">
+            <a:avLst/>
+          </a:prstGeom>
+          <a:noFill/>
+          <a:extLst>
+            <a:ext uri="{909E8E84-426E-40DD-AFC4-6F175D3DCCD1}">
+              <a14:hiddenFill xmlns:a14="http://schemas.microsoft.com/office/drawing/2010/main">
+                <a:solidFill>
+                  <a:srgbClr val="FFFFFF"/>
+                </a:solidFill>
+              </a14:hiddenFill>
+            </a:ext>
+          </a:extLst>
+        </p:spPr>
+      </p:pic>
+      <p:sp>
+        <p:nvSpPr>
+          <p:cNvPr id="7" name="TextBox 6">
+            <a:extLst>
+              <a:ext uri="{FF2B5EF4-FFF2-40B4-BE49-F238E27FC236}">
+                <a16:creationId xmlns:a16="http://schemas.microsoft.com/office/drawing/2014/main" id="{7D7B4DFC-AA7E-4C05-83D8-FE8F97EFFF99}"/>
+              </a:ext>
+            </a:extLst>
+          </p:cNvPr>
+          <p:cNvSpPr txBox="1"/>
+          <p:nvPr/>
+        </p:nvSpPr>
+        <p:spPr>
+          <a:xfrm>
+            <a:off x="214552" y="1144277"/>
+            <a:ext cx="2278337" cy="3693319"/>
+          </a:xfrm>
+          <a:prstGeom prst="rect">
+            <a:avLst/>
+          </a:prstGeom>
+          <a:noFill/>
+        </p:spPr>
+        <p:txBody>
+          <a:bodyPr wrap="square" rtlCol="0">
+            <a:spAutoFit/>
           </a:bodyPr>
           <a:lstStyle/>
           <a:p>
             <a:r>
               <a:rPr lang="en-US" dirty="0"/>
-              <a:t>LAB 8: Integrate data from Notebooks with Azure Data Factory or Azure Synapse Pipelines</a:t>
-            </a:r>
-          </a:p>
-        </p:txBody>
-      </p:sp>
-      <p:sp>
-        <p:nvSpPr>
-          <p:cNvPr id="3" name="Subtitle 2">
-            <a:extLst>
-              <a:ext uri="{FF2B5EF4-FFF2-40B4-BE49-F238E27FC236}">
-                <a16:creationId xmlns:a16="http://schemas.microsoft.com/office/drawing/2014/main" id="{78BC2C14-5B54-4319-BA1D-46B0C6B5B674}"/>
-              </a:ext>
-            </a:extLst>
-          </p:cNvPr>
-          <p:cNvSpPr>
-            <a:spLocks noGrp="1"/>
-          </p:cNvSpPr>
-          <p:nvPr>
-            <p:ph type="subTitle" idx="1"/>
-          </p:nvPr>
-        </p:nvSpPr>
-        <p:spPr>
-          <a:xfrm>
-            <a:off x="1387813" y="4843830"/>
-            <a:ext cx="9144000" cy="531554"/>
-          </a:xfrm>
-        </p:spPr>
-        <p:txBody>
-          <a:bodyPr/>
-          <a:lstStyle/>
-          <a:p>
-            <a:r>
-              <a:rPr lang="en-US" dirty="0"/>
-              <a:t>60 minutes</a:t>
+              <a:t>The Synapse pipeline notebook activity can send parameters to the notebook.</a:t>
+            </a:r>
+          </a:p>
+          <a:p>
+            <a:endParaRPr lang="en-US" dirty="0"/>
+          </a:p>
+          <a:p>
+            <a:r>
+              <a:rPr lang="en-US" dirty="0"/>
+              <a:t>Notice the name of </a:t>
+            </a:r>
+            <a:r>
+              <a:rPr lang="en-US" b="1" dirty="0" err="1"/>
+              <a:t>runId</a:t>
+            </a:r>
+            <a:r>
+              <a:rPr lang="en-US" dirty="0"/>
+              <a:t> matches the name of the parameter variable used in the parameter cell.</a:t>
             </a:r>
           </a:p>
         </p:txBody>
@@ -20583,7 +21188,7 @@
     </p:spTree>
     <p:extLst>
       <p:ext uri="{BB962C8B-B14F-4D97-AF65-F5344CB8AC3E}">
-        <p14:creationId xmlns:p14="http://schemas.microsoft.com/office/powerpoint/2010/main" val="86463890"/>
+        <p14:creationId xmlns:p14="http://schemas.microsoft.com/office/powerpoint/2010/main" val="744479437"/>
       </p:ext>
     </p:extLst>
   </p:cSld>
@@ -20612,613 +21217,76 @@
       </p:grpSpPr>
       <p:sp>
         <p:nvSpPr>
-          <p:cNvPr id="7" name="Rectangle 6">
-            <a:extLst>
-              <a:ext uri="{FF2B5EF4-FFF2-40B4-BE49-F238E27FC236}">
-                <a16:creationId xmlns:a16="http://schemas.microsoft.com/office/drawing/2014/main" id="{C7F1A192-7B21-4F6E-BA73-9F45523C2F1C}"/>
-              </a:ext>
-            </a:extLst>
-          </p:cNvPr>
-          <p:cNvSpPr/>
-          <p:nvPr/>
-        </p:nvSpPr>
-        <p:spPr>
-          <a:xfrm>
-            <a:off x="196880" y="415636"/>
-            <a:ext cx="5770783" cy="5480606"/>
-          </a:xfrm>
-          <a:prstGeom prst="rect">
-            <a:avLst/>
-          </a:prstGeom>
-          <a:solidFill>
-            <a:schemeClr val="accent3"/>
-          </a:solidFill>
-          <a:ln>
-            <a:noFill/>
-          </a:ln>
-        </p:spPr>
-        <p:style>
-          <a:lnRef idx="2">
-            <a:schemeClr val="accent1">
-              <a:shade val="50000"/>
-            </a:schemeClr>
-          </a:lnRef>
-          <a:fillRef idx="1">
-            <a:schemeClr val="accent1"/>
-          </a:fillRef>
-          <a:effectRef idx="0">
-            <a:schemeClr val="accent1"/>
-          </a:effectRef>
-          <a:fontRef idx="minor">
-            <a:schemeClr val="lt1"/>
-          </a:fontRef>
-        </p:style>
-        <p:txBody>
-          <a:bodyPr rtlCol="0" anchor="ctr"/>
+          <p:cNvPr id="2" name="Title 1">
+            <a:extLst>
+              <a:ext uri="{FF2B5EF4-FFF2-40B4-BE49-F238E27FC236}">
+                <a16:creationId xmlns:a16="http://schemas.microsoft.com/office/drawing/2014/main" id="{21A99087-F939-4EAF-AD38-211701C7799F}"/>
+              </a:ext>
+            </a:extLst>
+          </p:cNvPr>
+          <p:cNvSpPr>
+            <a:spLocks noGrp="1"/>
+          </p:cNvSpPr>
+          <p:nvPr>
+            <p:ph type="ctrTitle"/>
+          </p:nvPr>
+        </p:nvSpPr>
+        <p:spPr>
+          <a:xfrm>
+            <a:off x="1387813" y="3415452"/>
+            <a:ext cx="9144000" cy="1096613"/>
+          </a:xfrm>
+        </p:spPr>
+        <p:txBody>
+          <a:bodyPr>
+            <a:normAutofit fontScale="90000"/>
+          </a:bodyPr>
           <a:lstStyle/>
           <a:p>
-            <a:pPr algn="ctr"/>
-            <a:endParaRPr lang="en-US"/>
-          </a:p>
-        </p:txBody>
-      </p:sp>
-      <p:sp>
-        <p:nvSpPr>
-          <p:cNvPr id="2" name="Footer Placeholder 1">
-            <a:extLst>
-              <a:ext uri="{FF2B5EF4-FFF2-40B4-BE49-F238E27FC236}">
-                <a16:creationId xmlns:a16="http://schemas.microsoft.com/office/drawing/2014/main" id="{2B6874AB-14C3-44E9-80FD-CC5DB10A9D8F}"/>
-              </a:ext>
-            </a:extLst>
-          </p:cNvPr>
-          <p:cNvSpPr>
-            <a:spLocks noGrp="1"/>
-          </p:cNvSpPr>
-          <p:nvPr>
-            <p:ph type="ftr" sz="quarter" idx="3"/>
-          </p:nvPr>
-        </p:nvSpPr>
-        <p:spPr/>
+            <a:r>
+              <a:rPr lang="en-US" dirty="0"/>
+              <a:t>LAB 7: Integrate data from Notebooks with Azure Data Factory or Azure Synapse Pipelines</a:t>
+            </a:r>
+          </a:p>
+        </p:txBody>
+      </p:sp>
+      <p:sp>
+        <p:nvSpPr>
+          <p:cNvPr id="3" name="Subtitle 2">
+            <a:extLst>
+              <a:ext uri="{FF2B5EF4-FFF2-40B4-BE49-F238E27FC236}">
+                <a16:creationId xmlns:a16="http://schemas.microsoft.com/office/drawing/2014/main" id="{78BC2C14-5B54-4319-BA1D-46B0C6B5B674}"/>
+              </a:ext>
+            </a:extLst>
+          </p:cNvPr>
+          <p:cNvSpPr>
+            <a:spLocks noGrp="1"/>
+          </p:cNvSpPr>
+          <p:nvPr>
+            <p:ph type="subTitle" idx="1"/>
+          </p:nvPr>
+        </p:nvSpPr>
+        <p:spPr>
+          <a:xfrm>
+            <a:off x="1387813" y="4843830"/>
+            <a:ext cx="9144000" cy="531554"/>
+          </a:xfrm>
+        </p:spPr>
         <p:txBody>
           <a:bodyPr/>
           <a:lstStyle/>
           <a:p>
-            <a:pPr marL="0" marR="0" lvl="0" indent="0" algn="r" defTabSz="914400" rtl="0" eaLnBrk="1" fontAlgn="auto" latinLnBrk="0" hangingPunct="1">
-              <a:lnSpc>
-                <a:spcPct val="100000"/>
-              </a:lnSpc>
-              <a:spcBef>
-                <a:spcPts val="0"/>
-              </a:spcBef>
-              <a:spcAft>
-                <a:spcPts val="0"/>
-              </a:spcAft>
-              <a:buClrTx/>
-              <a:buSzTx/>
-              <a:buFontTx/>
-              <a:buNone/>
-              <a:tabLst/>
-              <a:defRPr/>
-            </a:pPr>
-            <a:r>
-              <a:rPr kumimoji="0" lang="en-US" sz="800" b="1" i="0" u="none" strike="noStrike" kern="1200" cap="none" spc="300" normalizeH="0" baseline="0" noProof="0">
-                <a:ln>
-                  <a:noFill/>
-                </a:ln>
-                <a:solidFill>
-                  <a:srgbClr val="E7E6E6">
-                    <a:lumMod val="90000"/>
-                    <a:alpha val="70000"/>
-                  </a:srgbClr>
-                </a:solidFill>
-                <a:effectLst/>
-                <a:uLnTx/>
-                <a:uFillTx/>
-                <a:latin typeface="Montserrat"/>
-                <a:ea typeface="+mn-ea"/>
-                <a:cs typeface="+mn-cs"/>
-              </a:rPr>
-              <a:t>WWW.SOLLIANCE.NET</a:t>
-            </a:r>
-            <a:endParaRPr kumimoji="0" lang="en-US" sz="800" b="1" i="0" u="none" strike="noStrike" kern="1200" cap="none" spc="300" normalizeH="0" baseline="0" noProof="0" dirty="0">
-              <a:ln>
-                <a:noFill/>
-              </a:ln>
-              <a:solidFill>
-                <a:srgbClr val="E7E6E6">
-                  <a:lumMod val="90000"/>
-                  <a:alpha val="70000"/>
-                </a:srgbClr>
-              </a:solidFill>
-              <a:effectLst/>
-              <a:uLnTx/>
-              <a:uFillTx/>
-              <a:latin typeface="Montserrat"/>
-              <a:ea typeface="+mn-ea"/>
-              <a:cs typeface="+mn-cs"/>
-            </a:endParaRPr>
-          </a:p>
-        </p:txBody>
-      </p:sp>
-      <p:sp>
-        <p:nvSpPr>
-          <p:cNvPr id="3" name="Slide Number Placeholder 2">
-            <a:extLst>
-              <a:ext uri="{FF2B5EF4-FFF2-40B4-BE49-F238E27FC236}">
-                <a16:creationId xmlns:a16="http://schemas.microsoft.com/office/drawing/2014/main" id="{D017DAEE-C656-4C65-A5D2-E48BAEFA9727}"/>
-              </a:ext>
-            </a:extLst>
-          </p:cNvPr>
-          <p:cNvSpPr>
-            <a:spLocks noGrp="1"/>
-          </p:cNvSpPr>
-          <p:nvPr>
-            <p:ph type="sldNum" sz="quarter" idx="4"/>
-          </p:nvPr>
-        </p:nvSpPr>
-        <p:spPr/>
-        <p:txBody>
-          <a:bodyPr/>
-          <a:lstStyle/>
-          <a:p>
-            <a:pPr marL="0" marR="0" lvl="0" indent="0" algn="ctr" defTabSz="914400" rtl="0" eaLnBrk="1" fontAlgn="auto" latinLnBrk="0" hangingPunct="1">
-              <a:lnSpc>
-                <a:spcPct val="100000"/>
-              </a:lnSpc>
-              <a:spcBef>
-                <a:spcPts val="0"/>
-              </a:spcBef>
-              <a:spcAft>
-                <a:spcPts val="0"/>
-              </a:spcAft>
-              <a:buClrTx/>
-              <a:buSzTx/>
-              <a:buFontTx/>
-              <a:buNone/>
-              <a:tabLst/>
-              <a:defRPr/>
-            </a:pPr>
-            <a:fld id="{00F9DAA1-1DF7-43E0-8E29-0CE1148553C7}" type="slidenum">
-              <a:rPr kumimoji="0" lang="en-US" sz="900" b="1" i="0" u="none" strike="noStrike" kern="1200" cap="none" spc="0" normalizeH="0" baseline="0" noProof="0" smtClean="0">
-                <a:ln>
-                  <a:noFill/>
-                </a:ln>
-                <a:solidFill>
-                  <a:srgbClr val="E7E6E6">
-                    <a:lumMod val="90000"/>
-                    <a:alpha val="60000"/>
-                  </a:srgbClr>
-                </a:solidFill>
-                <a:effectLst/>
-                <a:uLnTx/>
-                <a:uFillTx/>
-                <a:latin typeface="Montserrat"/>
-                <a:ea typeface="+mn-ea"/>
-                <a:cs typeface="+mn-cs"/>
-              </a:rPr>
-              <a:pPr marL="0" marR="0" lvl="0" indent="0" algn="ctr" defTabSz="914400" rtl="0" eaLnBrk="1" fontAlgn="auto" latinLnBrk="0" hangingPunct="1">
-                <a:lnSpc>
-                  <a:spcPct val="100000"/>
-                </a:lnSpc>
-                <a:spcBef>
-                  <a:spcPts val="0"/>
-                </a:spcBef>
-                <a:spcAft>
-                  <a:spcPts val="0"/>
-                </a:spcAft>
-                <a:buClrTx/>
-                <a:buSzTx/>
-                <a:buFontTx/>
-                <a:buNone/>
-                <a:tabLst/>
-                <a:defRPr/>
-              </a:pPr>
-              <a:t>9</a:t>
-            </a:fld>
-            <a:endParaRPr kumimoji="0" lang="en-US" sz="900" b="1" i="0" u="none" strike="noStrike" kern="1200" cap="none" spc="0" normalizeH="0" baseline="0" noProof="0" dirty="0">
-              <a:ln>
-                <a:noFill/>
-              </a:ln>
-              <a:solidFill>
-                <a:srgbClr val="E7E6E6">
-                  <a:lumMod val="90000"/>
-                  <a:alpha val="60000"/>
-                </a:srgbClr>
-              </a:solidFill>
-              <a:effectLst/>
-              <a:uLnTx/>
-              <a:uFillTx/>
-              <a:latin typeface="Montserrat"/>
-              <a:ea typeface="+mn-ea"/>
-              <a:cs typeface="+mn-cs"/>
-            </a:endParaRPr>
-          </a:p>
-        </p:txBody>
-      </p:sp>
-      <p:sp>
-        <p:nvSpPr>
-          <p:cNvPr id="5" name="TextBox 4">
-            <a:extLst>
-              <a:ext uri="{FF2B5EF4-FFF2-40B4-BE49-F238E27FC236}">
-                <a16:creationId xmlns:a16="http://schemas.microsoft.com/office/drawing/2014/main" id="{94FB7EED-4B8A-4B65-AB21-02FED0BA5130}"/>
-              </a:ext>
-            </a:extLst>
-          </p:cNvPr>
-          <p:cNvSpPr txBox="1"/>
-          <p:nvPr/>
-        </p:nvSpPr>
-        <p:spPr>
-          <a:xfrm>
-            <a:off x="609004" y="3773179"/>
-            <a:ext cx="4608954" cy="369332"/>
-          </a:xfrm>
-          <a:prstGeom prst="rect">
-            <a:avLst/>
-          </a:prstGeom>
-          <a:noFill/>
-        </p:spPr>
-        <p:txBody>
-          <a:bodyPr wrap="none" rtlCol="0">
-            <a:spAutoFit/>
-          </a:bodyPr>
-          <a:lstStyle/>
-          <a:p>
-            <a:pPr marL="0" marR="0" lvl="0" indent="0" algn="l" defTabSz="914400" rtl="0" eaLnBrk="1" fontAlgn="auto" latinLnBrk="0" hangingPunct="1">
-              <a:lnSpc>
-                <a:spcPct val="100000"/>
-              </a:lnSpc>
-              <a:spcBef>
-                <a:spcPts val="0"/>
-              </a:spcBef>
-              <a:spcAft>
-                <a:spcPts val="0"/>
-              </a:spcAft>
-              <a:buClrTx/>
-              <a:buSzTx/>
-              <a:buFontTx/>
-              <a:buNone/>
-              <a:tabLst/>
-              <a:defRPr/>
-            </a:pPr>
-            <a:r>
-              <a:rPr kumimoji="0" lang="en-US" sz="1800" b="1" i="0" u="none" strike="noStrike" kern="1200" cap="none" spc="0" normalizeH="0" baseline="0" noProof="0" dirty="0">
-                <a:ln>
-                  <a:noFill/>
-                </a:ln>
-                <a:solidFill>
-                  <a:srgbClr val="1A1F20"/>
-                </a:solidFill>
-                <a:effectLst/>
-                <a:uLnTx/>
-                <a:uFillTx/>
-                <a:latin typeface="Montserrat"/>
-                <a:ea typeface="+mn-ea"/>
-                <a:cs typeface="+mn-cs"/>
-              </a:rPr>
-              <a:t>Conference workshop presentations</a:t>
-            </a:r>
-          </a:p>
-        </p:txBody>
-      </p:sp>
-      <p:sp>
-        <p:nvSpPr>
-          <p:cNvPr id="6" name="TextBox 5">
-            <a:extLst>
-              <a:ext uri="{FF2B5EF4-FFF2-40B4-BE49-F238E27FC236}">
-                <a16:creationId xmlns:a16="http://schemas.microsoft.com/office/drawing/2014/main" id="{D6A93C50-D442-4753-8FD1-DD2C0BA6596E}"/>
-              </a:ext>
-            </a:extLst>
-          </p:cNvPr>
-          <p:cNvSpPr txBox="1"/>
-          <p:nvPr/>
-        </p:nvSpPr>
-        <p:spPr>
-          <a:xfrm>
-            <a:off x="8006688" y="3773179"/>
-            <a:ext cx="2345514" cy="369332"/>
-          </a:xfrm>
-          <a:prstGeom prst="rect">
-            <a:avLst/>
-          </a:prstGeom>
-          <a:noFill/>
-        </p:spPr>
-        <p:txBody>
-          <a:bodyPr wrap="none" rtlCol="0">
-            <a:spAutoFit/>
-          </a:bodyPr>
-          <a:lstStyle/>
-          <a:p>
-            <a:pPr marL="0" marR="0" lvl="0" indent="0" algn="l" defTabSz="914400" rtl="0" eaLnBrk="1" fontAlgn="auto" latinLnBrk="0" hangingPunct="1">
-              <a:lnSpc>
-                <a:spcPct val="100000"/>
-              </a:lnSpc>
-              <a:spcBef>
-                <a:spcPts val="0"/>
-              </a:spcBef>
-              <a:spcAft>
-                <a:spcPts val="0"/>
-              </a:spcAft>
-              <a:buClrTx/>
-              <a:buSzTx/>
-              <a:buFontTx/>
-              <a:buNone/>
-              <a:tabLst/>
-              <a:defRPr/>
-            </a:pPr>
-            <a:r>
-              <a:rPr kumimoji="0" lang="en-US" sz="1800" b="1" i="0" u="none" strike="noStrike" kern="1200" cap="none" spc="0" normalizeH="0" baseline="0" noProof="0" dirty="0">
-                <a:ln>
-                  <a:noFill/>
-                </a:ln>
-                <a:solidFill>
-                  <a:srgbClr val="1A1F20"/>
-                </a:solidFill>
-                <a:effectLst/>
-                <a:uLnTx/>
-                <a:uFillTx/>
-                <a:latin typeface="Montserrat"/>
-                <a:ea typeface="+mn-ea"/>
-                <a:cs typeface="+mn-cs"/>
-              </a:rPr>
-              <a:t>Solliance Training</a:t>
-            </a:r>
-          </a:p>
-        </p:txBody>
-      </p:sp>
-      <p:sp>
-        <p:nvSpPr>
-          <p:cNvPr id="11" name="TextBox 10">
-            <a:extLst>
-              <a:ext uri="{FF2B5EF4-FFF2-40B4-BE49-F238E27FC236}">
-                <a16:creationId xmlns:a16="http://schemas.microsoft.com/office/drawing/2014/main" id="{896EB98A-476E-40A9-A745-EA89D27E221A}"/>
-              </a:ext>
-            </a:extLst>
-          </p:cNvPr>
-          <p:cNvSpPr txBox="1"/>
-          <p:nvPr/>
-        </p:nvSpPr>
-        <p:spPr>
-          <a:xfrm>
-            <a:off x="393875" y="4281252"/>
-            <a:ext cx="5376792" cy="369332"/>
-          </a:xfrm>
-          <a:prstGeom prst="rect">
-            <a:avLst/>
-          </a:prstGeom>
-          <a:noFill/>
-        </p:spPr>
-        <p:txBody>
-          <a:bodyPr wrap="square">
-            <a:spAutoFit/>
-          </a:bodyPr>
-          <a:lstStyle/>
-          <a:p>
-            <a:pPr marL="0" marR="0" lvl="0" indent="0" algn="l" defTabSz="914400" rtl="0" eaLnBrk="1" fontAlgn="auto" latinLnBrk="0" hangingPunct="1">
-              <a:lnSpc>
-                <a:spcPct val="100000"/>
-              </a:lnSpc>
-              <a:spcBef>
-                <a:spcPts val="0"/>
-              </a:spcBef>
-              <a:spcAft>
-                <a:spcPts val="0"/>
-              </a:spcAft>
-              <a:buClrTx/>
-              <a:buSzTx/>
-              <a:buFontTx/>
-              <a:buNone/>
-              <a:tabLst/>
-              <a:defRPr/>
-            </a:pPr>
-            <a:r>
-              <a:rPr kumimoji="0" lang="en-US" sz="1800" b="0" i="0" u="none" strike="noStrike" kern="1200" cap="none" spc="0" normalizeH="0" baseline="0" noProof="0" dirty="0">
-                <a:ln>
-                  <a:noFill/>
-                </a:ln>
-                <a:solidFill>
-                  <a:srgbClr val="1A1F20"/>
-                </a:solidFill>
-                <a:effectLst/>
-                <a:uLnTx/>
-                <a:uFillTx/>
-                <a:latin typeface="Montserrat"/>
-                <a:ea typeface="+mn-ea"/>
-                <a:cs typeface="+mn-cs"/>
-              </a:rPr>
-              <a:t>https://aka.solliance.net/azure-de-workshop</a:t>
-            </a:r>
-          </a:p>
-        </p:txBody>
-      </p:sp>
-      <p:sp>
-        <p:nvSpPr>
-          <p:cNvPr id="13" name="TextBox 12">
-            <a:extLst>
-              <a:ext uri="{FF2B5EF4-FFF2-40B4-BE49-F238E27FC236}">
-                <a16:creationId xmlns:a16="http://schemas.microsoft.com/office/drawing/2014/main" id="{F97CC591-EAC5-423A-A04E-D3FC6A83C0A2}"/>
-              </a:ext>
-            </a:extLst>
-          </p:cNvPr>
-          <p:cNvSpPr txBox="1"/>
-          <p:nvPr/>
-        </p:nvSpPr>
-        <p:spPr>
-          <a:xfrm>
-            <a:off x="7547237" y="4282500"/>
-            <a:ext cx="3700334" cy="369332"/>
-          </a:xfrm>
-          <a:prstGeom prst="rect">
-            <a:avLst/>
-          </a:prstGeom>
-          <a:noFill/>
-        </p:spPr>
-        <p:txBody>
-          <a:bodyPr wrap="square">
-            <a:spAutoFit/>
-          </a:bodyPr>
-          <a:lstStyle/>
-          <a:p>
-            <a:pPr marL="0" marR="0" lvl="0" indent="0" algn="l" defTabSz="914400" rtl="0" eaLnBrk="1" fontAlgn="auto" latinLnBrk="0" hangingPunct="1">
-              <a:lnSpc>
-                <a:spcPct val="100000"/>
-              </a:lnSpc>
-              <a:spcBef>
-                <a:spcPts val="0"/>
-              </a:spcBef>
-              <a:spcAft>
-                <a:spcPts val="0"/>
-              </a:spcAft>
-              <a:buClrTx/>
-              <a:buSzTx/>
-              <a:buFontTx/>
-              <a:buNone/>
-              <a:tabLst/>
-              <a:defRPr/>
-            </a:pPr>
-            <a:r>
-              <a:rPr kumimoji="0" lang="en-US" sz="1800" b="0" i="0" u="none" strike="noStrike" kern="1200" cap="none" spc="0" normalizeH="0" baseline="0" noProof="0" dirty="0">
-                <a:ln>
-                  <a:noFill/>
-                </a:ln>
-                <a:solidFill>
-                  <a:srgbClr val="1A1F20"/>
-                </a:solidFill>
-                <a:effectLst/>
-                <a:uLnTx/>
-                <a:uFillTx/>
-                <a:latin typeface="Montserrat"/>
-                <a:ea typeface="+mn-ea"/>
-                <a:cs typeface="+mn-cs"/>
-              </a:rPr>
-              <a:t>https://</a:t>
-            </a:r>
-            <a:r>
-              <a:rPr lang="en-US" dirty="0">
-                <a:solidFill>
-                  <a:srgbClr val="1A1F20"/>
-                </a:solidFill>
-                <a:latin typeface="Montserrat"/>
-              </a:rPr>
-              <a:t>training</a:t>
-            </a:r>
-            <a:r>
-              <a:rPr kumimoji="0" lang="en-US" sz="1800" b="0" i="0" u="none" strike="noStrike" kern="1200" cap="none" spc="0" normalizeH="0" baseline="0" noProof="0" dirty="0">
-                <a:ln>
-                  <a:noFill/>
-                </a:ln>
-                <a:solidFill>
-                  <a:srgbClr val="1A1F20"/>
-                </a:solidFill>
-                <a:effectLst/>
-                <a:uLnTx/>
-                <a:uFillTx/>
-                <a:latin typeface="Montserrat"/>
-                <a:ea typeface="+mn-ea"/>
-                <a:cs typeface="+mn-cs"/>
-              </a:rPr>
-              <a:t>.solliance.net</a:t>
-            </a:r>
-          </a:p>
-        </p:txBody>
-      </p:sp>
-      <p:pic>
-        <p:nvPicPr>
-          <p:cNvPr id="1026" name="Picture 2" descr="QR Code">
-            <a:extLst>
-              <a:ext uri="{FF2B5EF4-FFF2-40B4-BE49-F238E27FC236}">
-                <a16:creationId xmlns:a16="http://schemas.microsoft.com/office/drawing/2014/main" id="{1D7A47C7-C731-4004-AFCD-36240B773698}"/>
-              </a:ext>
-            </a:extLst>
-          </p:cNvPr>
-          <p:cNvPicPr>
-            <a:picLocks noChangeAspect="1" noChangeArrowheads="1"/>
-          </p:cNvPicPr>
-          <p:nvPr/>
-        </p:nvPicPr>
-        <p:blipFill>
-          <a:blip r:embed="rId3">
-            <a:extLst>
-              <a:ext uri="{28A0092B-C50C-407E-A947-70E740481C1C}">
-                <a14:useLocalDpi xmlns:a14="http://schemas.microsoft.com/office/drawing/2010/main" val="0"/>
-              </a:ext>
-            </a:extLst>
-          </a:blip>
-          <a:srcRect/>
-          <a:stretch>
-            <a:fillRect/>
-          </a:stretch>
-        </p:blipFill>
-        <p:spPr bwMode="auto">
-          <a:xfrm>
-            <a:off x="8181583" y="1204651"/>
-            <a:ext cx="1779513" cy="1779513"/>
-          </a:xfrm>
-          <a:prstGeom prst="rect">
-            <a:avLst/>
-          </a:prstGeom>
-          <a:noFill/>
-          <a:extLst>
-            <a:ext uri="{909E8E84-426E-40DD-AFC4-6F175D3DCCD1}">
-              <a14:hiddenFill xmlns:a14="http://schemas.microsoft.com/office/drawing/2010/main">
-                <a:solidFill>
-                  <a:srgbClr val="FFFFFF"/>
-                </a:solidFill>
-              </a14:hiddenFill>
-            </a:ext>
-          </a:extLst>
-        </p:spPr>
-      </p:pic>
-      <p:pic>
-        <p:nvPicPr>
-          <p:cNvPr id="1030" name="Picture 6" descr="QR Code">
-            <a:extLst>
-              <a:ext uri="{FF2B5EF4-FFF2-40B4-BE49-F238E27FC236}">
-                <a16:creationId xmlns:a16="http://schemas.microsoft.com/office/drawing/2014/main" id="{42A41038-8706-4D68-A0D4-111768C73487}"/>
-              </a:ext>
-            </a:extLst>
-          </p:cNvPr>
-          <p:cNvPicPr>
-            <a:picLocks noChangeAspect="1" noChangeArrowheads="1"/>
-          </p:cNvPicPr>
-          <p:nvPr/>
-        </p:nvPicPr>
-        <p:blipFill>
-          <a:blip r:embed="rId4">
-            <a:extLst>
-              <a:ext uri="{28A0092B-C50C-407E-A947-70E740481C1C}">
-                <a14:useLocalDpi xmlns:a14="http://schemas.microsoft.com/office/drawing/2010/main" val="0"/>
-              </a:ext>
-            </a:extLst>
-          </a:blip>
-          <a:srcRect/>
-          <a:stretch>
-            <a:fillRect/>
-          </a:stretch>
-        </p:blipFill>
-        <p:spPr bwMode="auto">
-          <a:xfrm>
-            <a:off x="2023725" y="1204651"/>
-            <a:ext cx="1779513" cy="1779513"/>
-          </a:xfrm>
-          <a:prstGeom prst="rect">
-            <a:avLst/>
-          </a:prstGeom>
-          <a:noFill/>
-          <a:extLst>
-            <a:ext uri="{909E8E84-426E-40DD-AFC4-6F175D3DCCD1}">
-              <a14:hiddenFill xmlns:a14="http://schemas.microsoft.com/office/drawing/2010/main">
-                <a:solidFill>
-                  <a:srgbClr val="FFFFFF"/>
-                </a:solidFill>
-              </a14:hiddenFill>
-            </a:ext>
-          </a:extLst>
-        </p:spPr>
-      </p:pic>
+            <a:r>
+              <a:rPr lang="en-US" dirty="0"/>
+              <a:t>60 minutes</a:t>
+            </a:r>
+          </a:p>
+        </p:txBody>
+      </p:sp>
     </p:spTree>
     <p:extLst>
       <p:ext uri="{BB962C8B-B14F-4D97-AF65-F5344CB8AC3E}">
-        <p14:creationId xmlns:p14="http://schemas.microsoft.com/office/powerpoint/2010/main" val="1756157144"/>
+        <p14:creationId xmlns:p14="http://schemas.microsoft.com/office/powerpoint/2010/main" val="86463890"/>
       </p:ext>
     </p:extLst>
   </p:cSld>

--- a/09-Integrate data from notebooks with Azure Data Factory or Synapse Pipelines.pptx
+++ b/09-Integrate data from notebooks with Azure Data Factory or Synapse Pipelines.pptx
@@ -234,7 +234,7 @@
           <a:p>
             <a:fld id="{2B56BDA5-FBCC-43E1-957B-02AF36889AD5}" type="datetimeFigureOut">
               <a:rPr lang="en-US" smtClean="0"/>
-              <a:t>12/2/2022</a:t>
+              <a:t>12/2/23</a:t>
             </a:fld>
             <a:endParaRPr lang="en-US"/>
           </a:p>
@@ -411,7 +411,7 @@
           <a:p>
             <a:fld id="{8F44CDF0-0D54-4AFE-B409-D6358A9BB9A1}" type="datetimeFigureOut">
               <a:rPr lang="en-US" smtClean="0"/>
-              <a:t>12/2/2022</a:t>
+              <a:t>12/2/23</a:t>
             </a:fld>
             <a:endParaRPr lang="en-US"/>
           </a:p>
@@ -21245,7 +21245,22 @@
           <a:p>
             <a:r>
               <a:rPr lang="en-US" dirty="0"/>
-              <a:t>LAB 7: Integrate data from Notebooks with Azure Data Factory or Azure Synapse Pipelines</a:t>
+              <a:t>LAB 10: Build </a:t>
+            </a:r>
+            <a:r>
+              <a:rPr lang="en-US"/>
+              <a:t>a data pipeline </a:t>
+            </a:r>
+            <a:r>
+              <a:rPr lang="en-US" dirty="0"/>
+              <a:t>in</a:t>
+            </a:r>
+            <a:br>
+              <a:rPr lang="en-US" dirty="0"/>
+            </a:br>
+            <a:r>
+              <a:rPr lang="en-US" dirty="0"/>
+              <a:t>Azure Synapse Analytics</a:t>
             </a:r>
           </a:p>
         </p:txBody>
